--- a/Weekly Report 1.pptx
+++ b/Weekly Report 1.pptx
@@ -7,12 +7,18 @@
   <p:sldIdLst>
     <p:sldId id="256" r:id="rId2"/>
     <p:sldId id="257" r:id="rId3"/>
-    <p:sldId id="258" r:id="rId4"/>
-    <p:sldId id="259" r:id="rId5"/>
-    <p:sldId id="260" r:id="rId6"/>
-    <p:sldId id="261" r:id="rId7"/>
-    <p:sldId id="262" r:id="rId8"/>
-    <p:sldId id="263" r:id="rId9"/>
+    <p:sldId id="260" r:id="rId4"/>
+    <p:sldId id="264" r:id="rId5"/>
+    <p:sldId id="265" r:id="rId6"/>
+    <p:sldId id="266" r:id="rId7"/>
+    <p:sldId id="267" r:id="rId8"/>
+    <p:sldId id="268" r:id="rId9"/>
+    <p:sldId id="269" r:id="rId10"/>
+    <p:sldId id="270" r:id="rId11"/>
+    <p:sldId id="271" r:id="rId12"/>
+    <p:sldId id="261" r:id="rId13"/>
+    <p:sldId id="262" r:id="rId14"/>
+    <p:sldId id="263" r:id="rId15"/>
   </p:sldIdLst>
   <p:sldSz cx="12192000" cy="6858000"/>
   <p:notesSz cx="6858000" cy="9144000"/>
@@ -272,7 +278,7 @@
           <a:p>
             <a:fld id="{C128FA71-3A18-48C0-980F-4B68F7F63042}" type="datetime1">
               <a:rPr lang="en-US" smtClean="0"/>
-              <a:t>2/17/2025</a:t>
+              <a:t>2/21/2025</a:t>
             </a:fld>
             <a:endParaRPr lang="en-US"/>
           </a:p>
@@ -480,7 +486,7 @@
           <a:p>
             <a:fld id="{7104EDB3-C0E8-45F8-9E1D-1B6C8D1880C0}" type="datetime1">
               <a:rPr lang="en-US" smtClean="0"/>
-              <a:t>2/17/2025</a:t>
+              <a:t>2/21/2025</a:t>
             </a:fld>
             <a:endParaRPr lang="en-US"/>
           </a:p>
@@ -690,7 +696,7 @@
           <a:p>
             <a:fld id="{9CF0EC4B-54ED-4041-B552-9BA760FA3DBA}" type="datetime1">
               <a:rPr lang="en-US" smtClean="0"/>
-              <a:t>2/17/2025</a:t>
+              <a:t>2/21/2025</a:t>
             </a:fld>
             <a:endParaRPr lang="en-US"/>
           </a:p>
@@ -888,7 +894,7 @@
           <a:p>
             <a:fld id="{51C1210E-201E-4473-82AC-2466F5386C38}" type="datetime1">
               <a:rPr lang="en-US" smtClean="0"/>
-              <a:t>2/17/2025</a:t>
+              <a:t>2/21/2025</a:t>
             </a:fld>
             <a:endParaRPr lang="en-US"/>
           </a:p>
@@ -1166,7 +1172,7 @@
           <a:p>
             <a:fld id="{B01EA198-6CAB-4B8F-B93F-1F9C8C4B6CE7}" type="datetime1">
               <a:rPr lang="en-US" smtClean="0"/>
-              <a:t>2/17/2025</a:t>
+              <a:t>2/21/2025</a:t>
             </a:fld>
             <a:endParaRPr lang="en-US"/>
           </a:p>
@@ -1438,7 +1444,7 @@
           <a:p>
             <a:fld id="{CA06041F-4525-44D5-AA4F-332294BF1F56}" type="datetime1">
               <a:rPr lang="en-US" smtClean="0"/>
-              <a:t>2/17/2025</a:t>
+              <a:t>2/21/2025</a:t>
             </a:fld>
             <a:endParaRPr lang="en-US"/>
           </a:p>
@@ -1862,7 +1868,7 @@
           <a:p>
             <a:fld id="{F9557091-BBDF-4EB9-BA6B-2BB67AC4FC0F}" type="datetime1">
               <a:rPr lang="en-US" smtClean="0"/>
-              <a:t>2/17/2025</a:t>
+              <a:t>2/21/2025</a:t>
             </a:fld>
             <a:endParaRPr lang="en-US"/>
           </a:p>
@@ -2003,7 +2009,7 @@
           <a:p>
             <a:fld id="{2D6B226B-77A6-410C-9796-083F278E0125}" type="datetime1">
               <a:rPr lang="en-US" smtClean="0"/>
-              <a:t>2/17/2025</a:t>
+              <a:t>2/21/2025</a:t>
             </a:fld>
             <a:endParaRPr lang="en-US"/>
           </a:p>
@@ -2116,7 +2122,7 @@
           <a:p>
             <a:fld id="{A23A578B-D289-4C40-8593-3D356C49DA58}" type="datetime1">
               <a:rPr lang="en-US" smtClean="0"/>
-              <a:t>2/17/2025</a:t>
+              <a:t>2/21/2025</a:t>
             </a:fld>
             <a:endParaRPr lang="en-US"/>
           </a:p>
@@ -2435,7 +2441,7 @@
           <a:p>
             <a:fld id="{713DFAE3-14DB-48A7-A80F-80DDB072CE3D}" type="datetime1">
               <a:rPr lang="en-US" smtClean="0"/>
-              <a:t>2/17/2025</a:t>
+              <a:t>2/21/2025</a:t>
             </a:fld>
             <a:endParaRPr lang="en-US"/>
           </a:p>
@@ -2729,7 +2735,7 @@
           <a:p>
             <a:fld id="{92C5EAEF-6478-4102-8F5D-A5FE9FC97ACB}" type="datetime1">
               <a:rPr lang="en-US" smtClean="0"/>
-              <a:t>2/17/2025</a:t>
+              <a:t>2/21/2025</a:t>
             </a:fld>
             <a:endParaRPr lang="en-US"/>
           </a:p>
@@ -2970,7 +2976,7 @@
           <a:p>
             <a:fld id="{67F45AC6-C491-4585-A584-9CE2AF7D5500}" type="datetime1">
               <a:rPr lang="en-US" smtClean="0"/>
-              <a:t>2/17/2025</a:t>
+              <a:t>2/21/2025</a:t>
             </a:fld>
             <a:endParaRPr lang="en-US"/>
           </a:p>
@@ -3730,7 +3736,195 @@
 </p:sld>
 </file>
 
-<file path=ppt/slides/slide2.xml><?xml version="1.0" encoding="utf-8"?>
+<file path=ppt/slides/slide10.xml><?xml version="1.0" encoding="utf-8"?>
+<p:sld xmlns:a="http://schemas.openxmlformats.org/drawingml/2006/main" xmlns:r="http://schemas.openxmlformats.org/officeDocument/2006/relationships" xmlns:p="http://schemas.openxmlformats.org/presentationml/2006/main">
+  <p:cSld>
+    <p:spTree>
+      <p:nvGrpSpPr>
+        <p:cNvPr id="1" name=""/>
+        <p:cNvGrpSpPr/>
+        <p:nvPr/>
+      </p:nvGrpSpPr>
+      <p:grpSpPr>
+        <a:xfrm>
+          <a:off x="0" y="0"/>
+          <a:ext cx="0" cy="0"/>
+          <a:chOff x="0" y="0"/>
+          <a:chExt cx="0" cy="0"/>
+        </a:xfrm>
+      </p:grpSpPr>
+      <p:sp>
+        <p:nvSpPr>
+          <p:cNvPr id="2" name="Title 1">
+            <a:extLst>
+              <a:ext uri="{FF2B5EF4-FFF2-40B4-BE49-F238E27FC236}">
+                <a16:creationId xmlns:a16="http://schemas.microsoft.com/office/drawing/2014/main" id="{4FDD589F-9078-3646-96F1-A0BC0BEFC964}"/>
+              </a:ext>
+            </a:extLst>
+          </p:cNvPr>
+          <p:cNvSpPr>
+            <a:spLocks noGrp="1"/>
+          </p:cNvSpPr>
+          <p:nvPr>
+            <p:ph type="title"/>
+          </p:nvPr>
+        </p:nvSpPr>
+        <p:spPr/>
+        <p:txBody>
+          <a:bodyPr/>
+          <a:lstStyle/>
+          <a:p>
+            <a:r>
+              <a:rPr lang="en-US" dirty="0"/>
+              <a:t>Dan</a:t>
+            </a:r>
+            <a:endParaRPr lang="en-GB" dirty="0"/>
+          </a:p>
+        </p:txBody>
+      </p:sp>
+      <p:sp>
+        <p:nvSpPr>
+          <p:cNvPr id="3" name="Content Placeholder 2">
+            <a:extLst>
+              <a:ext uri="{FF2B5EF4-FFF2-40B4-BE49-F238E27FC236}">
+                <a16:creationId xmlns:a16="http://schemas.microsoft.com/office/drawing/2014/main" id="{7315723B-487C-CDFC-DA5D-B3D25859C586}"/>
+              </a:ext>
+            </a:extLst>
+          </p:cNvPr>
+          <p:cNvSpPr>
+            <a:spLocks noGrp="1"/>
+          </p:cNvSpPr>
+          <p:nvPr>
+            <p:ph idx="1"/>
+          </p:nvPr>
+        </p:nvSpPr>
+        <p:spPr/>
+        <p:txBody>
+          <a:bodyPr/>
+          <a:lstStyle/>
+          <a:p>
+            <a:pPr marL="0" indent="0">
+              <a:buNone/>
+            </a:pPr>
+            <a:r>
+              <a:rPr lang="en-US" dirty="0"/>
+              <a:t>Revising blueprint methods and researching grapple mechanics</a:t>
+            </a:r>
+            <a:endParaRPr lang="en-GB" dirty="0"/>
+          </a:p>
+        </p:txBody>
+      </p:sp>
+    </p:spTree>
+    <p:extLst>
+      <p:ext uri="{BB962C8B-B14F-4D97-AF65-F5344CB8AC3E}">
+        <p14:creationId xmlns:p14="http://schemas.microsoft.com/office/powerpoint/2010/main" val="2595535617"/>
+      </p:ext>
+    </p:extLst>
+  </p:cSld>
+  <p:clrMapOvr>
+    <a:masterClrMapping/>
+  </p:clrMapOvr>
+</p:sld>
+</file>
+
+<file path=ppt/slides/slide11.xml><?xml version="1.0" encoding="utf-8"?>
+<p:sld xmlns:a="http://schemas.openxmlformats.org/drawingml/2006/main" xmlns:r="http://schemas.openxmlformats.org/officeDocument/2006/relationships" xmlns:p="http://schemas.openxmlformats.org/presentationml/2006/main">
+  <p:cSld>
+    <p:spTree>
+      <p:nvGrpSpPr>
+        <p:cNvPr id="1" name=""/>
+        <p:cNvGrpSpPr/>
+        <p:nvPr/>
+      </p:nvGrpSpPr>
+      <p:grpSpPr>
+        <a:xfrm>
+          <a:off x="0" y="0"/>
+          <a:ext cx="0" cy="0"/>
+          <a:chOff x="0" y="0"/>
+          <a:chExt cx="0" cy="0"/>
+        </a:xfrm>
+      </p:grpSpPr>
+      <p:sp>
+        <p:nvSpPr>
+          <p:cNvPr id="2" name="Title 1">
+            <a:extLst>
+              <a:ext uri="{FF2B5EF4-FFF2-40B4-BE49-F238E27FC236}">
+                <a16:creationId xmlns:a16="http://schemas.microsoft.com/office/drawing/2014/main" id="{85EE6D18-04F4-6B5D-3A36-CCF8D817646D}"/>
+              </a:ext>
+            </a:extLst>
+          </p:cNvPr>
+          <p:cNvSpPr>
+            <a:spLocks noGrp="1"/>
+          </p:cNvSpPr>
+          <p:nvPr>
+            <p:ph type="title"/>
+          </p:nvPr>
+        </p:nvSpPr>
+        <p:spPr/>
+        <p:txBody>
+          <a:bodyPr/>
+          <a:lstStyle/>
+          <a:p>
+            <a:r>
+              <a:rPr lang="en-US" dirty="0"/>
+              <a:t>Owen</a:t>
+            </a:r>
+            <a:endParaRPr lang="en-GB" dirty="0"/>
+          </a:p>
+        </p:txBody>
+      </p:sp>
+      <p:sp>
+        <p:nvSpPr>
+          <p:cNvPr id="3" name="Content Placeholder 2">
+            <a:extLst>
+              <a:ext uri="{FF2B5EF4-FFF2-40B4-BE49-F238E27FC236}">
+                <a16:creationId xmlns:a16="http://schemas.microsoft.com/office/drawing/2014/main" id="{EF8A5DE6-EACC-DB99-EBD3-212667B4432B}"/>
+              </a:ext>
+            </a:extLst>
+          </p:cNvPr>
+          <p:cNvSpPr>
+            <a:spLocks noGrp="1"/>
+          </p:cNvSpPr>
+          <p:nvPr>
+            <p:ph idx="1"/>
+          </p:nvPr>
+        </p:nvSpPr>
+        <p:spPr/>
+        <p:txBody>
+          <a:bodyPr/>
+          <a:lstStyle/>
+          <a:p>
+            <a:pPr marL="0" indent="0">
+              <a:buNone/>
+            </a:pPr>
+            <a:r>
+              <a:rPr lang="en-US" dirty="0"/>
+              <a:t>Revising blueprint methods and researching grapple mechanics</a:t>
+            </a:r>
+            <a:endParaRPr lang="en-GB" dirty="0"/>
+          </a:p>
+          <a:p>
+            <a:pPr marL="0" indent="0">
+              <a:buNone/>
+            </a:pPr>
+            <a:endParaRPr lang="en-GB" dirty="0"/>
+          </a:p>
+        </p:txBody>
+      </p:sp>
+    </p:spTree>
+    <p:extLst>
+      <p:ext uri="{BB962C8B-B14F-4D97-AF65-F5344CB8AC3E}">
+        <p14:creationId xmlns:p14="http://schemas.microsoft.com/office/powerpoint/2010/main" val="3408670615"/>
+      </p:ext>
+    </p:extLst>
+  </p:cSld>
+  <p:clrMapOvr>
+    <a:masterClrMapping/>
+  </p:clrMapOvr>
+</p:sld>
+</file>
+
+<file path=ppt/slides/slide12.xml><?xml version="1.0" encoding="utf-8"?>
 <p:sld xmlns:a="http://schemas.openxmlformats.org/drawingml/2006/main" xmlns:r="http://schemas.openxmlformats.org/officeDocument/2006/relationships" xmlns:p="http://schemas.openxmlformats.org/presentationml/2006/main">
   <p:cSld>
     <p:bg>
@@ -3755,667 +3949,12 @@
           <a:chExt cx="0" cy="0"/>
         </a:xfrm>
       </p:grpSpPr>
-      <p:sp useBgFill="1">
-        <p:nvSpPr>
-          <p:cNvPr id="9" name="Rectangle 8">
-            <a:extLst>
-              <a:ext uri="{FF2B5EF4-FFF2-40B4-BE49-F238E27FC236}">
-                <a16:creationId xmlns:a16="http://schemas.microsoft.com/office/drawing/2014/main" id="{1A32057F-F015-B1B2-4E3E-2307F8EFC97B}"/>
-              </a:ext>
-              <a:ext uri="{C183D7F6-B498-43B3-948B-1728B52AA6E4}">
-                <adec:decorative xmlns:adec="http://schemas.microsoft.com/office/drawing/2017/decorative" val="1"/>
-              </a:ext>
-            </a:extLst>
-          </p:cNvPr>
-          <p:cNvSpPr>
-            <a:spLocks noGrp="1" noRot="1" noChangeAspect="1" noMove="1" noResize="1" noEditPoints="1" noAdjustHandles="1" noChangeArrowheads="1" noChangeShapeType="1" noTextEdit="1"/>
-          </p:cNvSpPr>
-          <p:nvPr>
-            <p:extLst>
-              <p:ext uri="{386F3935-93C4-4BCD-93E2-E3B085C9AB24}">
-                <p16:designElem xmlns:p16="http://schemas.microsoft.com/office/powerpoint/2015/main" val="1"/>
-              </p:ext>
-            </p:extLst>
-          </p:nvPr>
-        </p:nvSpPr>
-        <p:spPr>
-          <a:xfrm>
-            <a:off x="0" y="0"/>
-            <a:ext cx="12192000" cy="6858000"/>
-          </a:xfrm>
-          <a:prstGeom prst="rect">
-            <a:avLst/>
-          </a:prstGeom>
-          <a:ln w="12700" cap="flat" cmpd="sng" algn="ctr">
-            <a:noFill/>
-            <a:prstDash val="solid"/>
-            <a:miter lim="800000"/>
-          </a:ln>
-          <a:effectLst/>
-          <a:extLst>
-            <a:ext uri="{91240B29-F687-4F45-9708-019B960494DF}">
-              <a14:hiddenLine xmlns:a14="http://schemas.microsoft.com/office/drawing/2010/main" w="12700" cap="flat" cmpd="sng" algn="ctr">
-                <a:solidFill>
-                  <a:schemeClr val="accent1">
-                    <a:shade val="15000"/>
-                  </a:schemeClr>
-                </a:solidFill>
-                <a:prstDash val="solid"/>
-                <a:miter lim="800000"/>
-              </a14:hiddenLine>
-            </a:ext>
-          </a:extLst>
-        </p:spPr>
-        <p:style>
-          <a:lnRef idx="2">
-            <a:schemeClr val="accent1">
-              <a:shade val="15000"/>
-            </a:schemeClr>
-          </a:lnRef>
-          <a:fillRef idx="1">
-            <a:schemeClr val="accent1"/>
-          </a:fillRef>
-          <a:effectRef idx="0">
-            <a:schemeClr val="accent1"/>
-          </a:effectRef>
-          <a:fontRef idx="minor">
-            <a:schemeClr val="lt1"/>
-          </a:fontRef>
-        </p:style>
-        <p:txBody>
-          <a:bodyPr rtlCol="0" anchor="ctr"/>
-          <a:lstStyle/>
-          <a:p>
-            <a:pPr algn="ctr"/>
-            <a:endParaRPr lang="en-US"/>
-          </a:p>
-        </p:txBody>
-      </p:sp>
-      <p:pic>
-        <p:nvPicPr>
-          <p:cNvPr id="5" name="Picture 4" descr="White stairs with a blue arrow drawn in the middle pointing upwards">
-            <a:extLst>
-              <a:ext uri="{FF2B5EF4-FFF2-40B4-BE49-F238E27FC236}">
-                <a16:creationId xmlns:a16="http://schemas.microsoft.com/office/drawing/2014/main" id="{70A7E4EF-DF76-FD5D-8906-B4E1CC2A4669}"/>
-              </a:ext>
-            </a:extLst>
-          </p:cNvPr>
-          <p:cNvPicPr>
-            <a:picLocks noChangeAspect="1"/>
-          </p:cNvPicPr>
-          <p:nvPr/>
-        </p:nvPicPr>
-        <p:blipFill>
-          <a:blip r:embed="rId2"/>
-          <a:srcRect r="4118"/>
-          <a:stretch/>
-        </p:blipFill>
-        <p:spPr>
-          <a:xfrm>
-            <a:off x="20" y="1"/>
-            <a:ext cx="6575591" cy="6858000"/>
-          </a:xfrm>
-          <a:prstGeom prst="rect">
-            <a:avLst/>
-          </a:prstGeom>
-        </p:spPr>
-      </p:pic>
-      <p:sp>
-        <p:nvSpPr>
-          <p:cNvPr id="2" name="Title 1">
-            <a:extLst>
-              <a:ext uri="{FF2B5EF4-FFF2-40B4-BE49-F238E27FC236}">
-                <a16:creationId xmlns:a16="http://schemas.microsoft.com/office/drawing/2014/main" id="{CC6405F6-77A8-A0F7-25B3-A0E240D46F29}"/>
-              </a:ext>
-            </a:extLst>
-          </p:cNvPr>
-          <p:cNvSpPr>
-            <a:spLocks noGrp="1"/>
-          </p:cNvSpPr>
-          <p:nvPr>
-            <p:ph type="title"/>
-          </p:nvPr>
-        </p:nvSpPr>
-        <p:spPr>
-          <a:xfrm>
-            <a:off x="7202961" y="302148"/>
-            <a:ext cx="4361688" cy="891531"/>
-          </a:xfrm>
-        </p:spPr>
-        <p:txBody>
-          <a:bodyPr vert="horz" lIns="91440" tIns="45720" rIns="91440" bIns="45720" rtlCol="0" anchor="b">
-            <a:normAutofit/>
-          </a:bodyPr>
-          <a:lstStyle/>
-          <a:p>
-            <a:r>
-              <a:rPr lang="en-US" sz="5400" dirty="0"/>
-              <a:t>Progress</a:t>
-            </a:r>
-          </a:p>
-        </p:txBody>
-      </p:sp>
-      <p:sp>
-        <p:nvSpPr>
-          <p:cNvPr id="4" name="TextBox 3">
-            <a:extLst>
-              <a:ext uri="{FF2B5EF4-FFF2-40B4-BE49-F238E27FC236}">
-                <a16:creationId xmlns:a16="http://schemas.microsoft.com/office/drawing/2014/main" id="{7A56F8C5-A4E6-45E1-F700-5CBF54BBB027}"/>
-              </a:ext>
-            </a:extLst>
-          </p:cNvPr>
-          <p:cNvSpPr txBox="1"/>
-          <p:nvPr/>
-        </p:nvSpPr>
-        <p:spPr>
-          <a:xfrm>
-            <a:off x="7202961" y="1590261"/>
-            <a:ext cx="4361688" cy="646331"/>
-          </a:xfrm>
-          <a:prstGeom prst="rect">
-            <a:avLst/>
-          </a:prstGeom>
-          <a:noFill/>
-        </p:spPr>
-        <p:txBody>
-          <a:bodyPr wrap="square" rtlCol="0">
-            <a:spAutoFit/>
-          </a:bodyPr>
-          <a:lstStyle/>
-          <a:p>
-            <a:r>
-              <a:rPr lang="en-US" dirty="0"/>
-              <a:t>A visual representation of our timeline and progress should be shown here</a:t>
-            </a:r>
-            <a:endParaRPr lang="en-GB" dirty="0"/>
-          </a:p>
-        </p:txBody>
-      </p:sp>
-    </p:spTree>
-    <p:extLst>
-      <p:ext uri="{BB962C8B-B14F-4D97-AF65-F5344CB8AC3E}">
-        <p14:creationId xmlns:p14="http://schemas.microsoft.com/office/powerpoint/2010/main" val="2024729136"/>
-      </p:ext>
-    </p:extLst>
-  </p:cSld>
-  <p:clrMapOvr>
-    <a:masterClrMapping/>
-  </p:clrMapOvr>
-</p:sld>
-</file>
-
-<file path=ppt/slides/slide3.xml><?xml version="1.0" encoding="utf-8"?>
-<p:sld xmlns:a="http://schemas.openxmlformats.org/drawingml/2006/main" xmlns:r="http://schemas.openxmlformats.org/officeDocument/2006/relationships" xmlns:p="http://schemas.openxmlformats.org/presentationml/2006/main">
-  <p:cSld>
-    <p:bg>
-      <p:bgPr>
-        <a:solidFill>
-          <a:schemeClr val="bg1"/>
-        </a:solidFill>
-        <a:effectLst/>
-      </p:bgPr>
-    </p:bg>
-    <p:spTree>
-      <p:nvGrpSpPr>
-        <p:cNvPr id="1" name=""/>
-        <p:cNvGrpSpPr/>
-        <p:nvPr/>
-      </p:nvGrpSpPr>
-      <p:grpSpPr>
-        <a:xfrm>
-          <a:off x="0" y="0"/>
-          <a:ext cx="0" cy="0"/>
-          <a:chOff x="0" y="0"/>
-          <a:chExt cx="0" cy="0"/>
-        </a:xfrm>
-      </p:grpSpPr>
-      <p:sp useBgFill="1">
-        <p:nvSpPr>
-          <p:cNvPr id="9" name="Rectangle 8">
-            <a:extLst>
-              <a:ext uri="{FF2B5EF4-FFF2-40B4-BE49-F238E27FC236}">
-                <a16:creationId xmlns:a16="http://schemas.microsoft.com/office/drawing/2014/main" id="{1A32057F-F015-B1B2-4E3E-2307F8EFC97B}"/>
-              </a:ext>
-              <a:ext uri="{C183D7F6-B498-43B3-948B-1728B52AA6E4}">
-                <adec:decorative xmlns:adec="http://schemas.microsoft.com/office/drawing/2017/decorative" val="1"/>
-              </a:ext>
-            </a:extLst>
-          </p:cNvPr>
-          <p:cNvSpPr>
-            <a:spLocks noGrp="1" noRot="1" noChangeAspect="1" noMove="1" noResize="1" noEditPoints="1" noAdjustHandles="1" noChangeArrowheads="1" noChangeShapeType="1" noTextEdit="1"/>
-          </p:cNvSpPr>
-          <p:nvPr>
-            <p:extLst>
-              <p:ext uri="{386F3935-93C4-4BCD-93E2-E3B085C9AB24}">
-                <p16:designElem xmlns:p16="http://schemas.microsoft.com/office/powerpoint/2015/main" val="1"/>
-              </p:ext>
-            </p:extLst>
-          </p:nvPr>
-        </p:nvSpPr>
-        <p:spPr>
-          <a:xfrm>
-            <a:off x="0" y="0"/>
-            <a:ext cx="12192000" cy="6858000"/>
-          </a:xfrm>
-          <a:prstGeom prst="rect">
-            <a:avLst/>
-          </a:prstGeom>
-          <a:ln w="12700" cap="flat" cmpd="sng" algn="ctr">
-            <a:noFill/>
-            <a:prstDash val="solid"/>
-            <a:miter lim="800000"/>
-          </a:ln>
-          <a:effectLst/>
-          <a:extLst>
-            <a:ext uri="{91240B29-F687-4F45-9708-019B960494DF}">
-              <a14:hiddenLine xmlns:a14="http://schemas.microsoft.com/office/drawing/2010/main" w="12700" cap="flat" cmpd="sng" algn="ctr">
-                <a:solidFill>
-                  <a:schemeClr val="accent1">
-                    <a:shade val="15000"/>
-                  </a:schemeClr>
-                </a:solidFill>
-                <a:prstDash val="solid"/>
-                <a:miter lim="800000"/>
-              </a14:hiddenLine>
-            </a:ext>
-          </a:extLst>
-        </p:spPr>
-        <p:style>
-          <a:lnRef idx="2">
-            <a:schemeClr val="accent1">
-              <a:shade val="15000"/>
-            </a:schemeClr>
-          </a:lnRef>
-          <a:fillRef idx="1">
-            <a:schemeClr val="accent1"/>
-          </a:fillRef>
-          <a:effectRef idx="0">
-            <a:schemeClr val="accent1"/>
-          </a:effectRef>
-          <a:fontRef idx="minor">
-            <a:schemeClr val="lt1"/>
-          </a:fontRef>
-        </p:style>
-        <p:txBody>
-          <a:bodyPr rtlCol="0" anchor="ctr"/>
-          <a:lstStyle/>
-          <a:p>
-            <a:pPr algn="ctr"/>
-            <a:endParaRPr lang="en-US"/>
-          </a:p>
-        </p:txBody>
-      </p:sp>
-      <p:pic>
-        <p:nvPicPr>
-          <p:cNvPr id="5" name="Picture 4" descr="One in a crowd">
-            <a:extLst>
-              <a:ext uri="{FF2B5EF4-FFF2-40B4-BE49-F238E27FC236}">
-                <a16:creationId xmlns:a16="http://schemas.microsoft.com/office/drawing/2014/main" id="{9C713077-BFAB-FEF6-1B24-3C6BE61D4651}"/>
-              </a:ext>
-            </a:extLst>
-          </p:cNvPr>
-          <p:cNvPicPr>
-            <a:picLocks noChangeAspect="1"/>
-          </p:cNvPicPr>
-          <p:nvPr/>
-        </p:nvPicPr>
-        <p:blipFill>
-          <a:blip r:embed="rId2"/>
-          <a:srcRect l="18139" r="9949"/>
-          <a:stretch/>
-        </p:blipFill>
-        <p:spPr>
-          <a:xfrm>
-            <a:off x="20" y="1"/>
-            <a:ext cx="6575591" cy="6858000"/>
-          </a:xfrm>
-          <a:prstGeom prst="rect">
-            <a:avLst/>
-          </a:prstGeom>
-        </p:spPr>
-      </p:pic>
-      <p:sp>
-        <p:nvSpPr>
-          <p:cNvPr id="2" name="Title 1">
-            <a:extLst>
-              <a:ext uri="{FF2B5EF4-FFF2-40B4-BE49-F238E27FC236}">
-                <a16:creationId xmlns:a16="http://schemas.microsoft.com/office/drawing/2014/main" id="{57151A35-52C4-CEBD-5C6B-56499195AA3F}"/>
-              </a:ext>
-            </a:extLst>
-          </p:cNvPr>
-          <p:cNvSpPr>
-            <a:spLocks noGrp="1"/>
-          </p:cNvSpPr>
-          <p:nvPr>
-            <p:ph type="title"/>
-          </p:nvPr>
-        </p:nvSpPr>
-        <p:spPr>
-          <a:xfrm>
-            <a:off x="7696538" y="190830"/>
-            <a:ext cx="3374534" cy="1734369"/>
-          </a:xfrm>
-        </p:spPr>
-        <p:txBody>
-          <a:bodyPr vert="horz" lIns="91440" tIns="45720" rIns="91440" bIns="45720" rtlCol="0" anchor="b">
-            <a:normAutofit/>
-          </a:bodyPr>
-          <a:lstStyle/>
-          <a:p>
-            <a:r>
-              <a:rPr lang="en-US" sz="5400" dirty="0"/>
-              <a:t>Team Activity</a:t>
-            </a:r>
-          </a:p>
-        </p:txBody>
-      </p:sp>
-      <p:sp>
-        <p:nvSpPr>
-          <p:cNvPr id="6" name="TextBox 5">
-            <a:extLst>
-              <a:ext uri="{FF2B5EF4-FFF2-40B4-BE49-F238E27FC236}">
-                <a16:creationId xmlns:a16="http://schemas.microsoft.com/office/drawing/2014/main" id="{98734B1C-D109-E797-B369-0F32145E98EB}"/>
-              </a:ext>
-            </a:extLst>
-          </p:cNvPr>
-          <p:cNvSpPr txBox="1"/>
-          <p:nvPr/>
-        </p:nvSpPr>
-        <p:spPr>
-          <a:xfrm>
-            <a:off x="7370859" y="2051437"/>
-            <a:ext cx="3700213" cy="923330"/>
-          </a:xfrm>
-          <a:prstGeom prst="rect">
-            <a:avLst/>
-          </a:prstGeom>
-          <a:noFill/>
-        </p:spPr>
-        <p:txBody>
-          <a:bodyPr wrap="square" rtlCol="0">
-            <a:spAutoFit/>
-          </a:bodyPr>
-          <a:lstStyle/>
-          <a:p>
-            <a:r>
-              <a:rPr lang="en-US" dirty="0"/>
-              <a:t>Graphs and statistics on team activity and performance should go here</a:t>
-            </a:r>
-            <a:endParaRPr lang="en-GB" dirty="0"/>
-          </a:p>
-        </p:txBody>
-      </p:sp>
-    </p:spTree>
-    <p:extLst>
-      <p:ext uri="{BB962C8B-B14F-4D97-AF65-F5344CB8AC3E}">
-        <p14:creationId xmlns:p14="http://schemas.microsoft.com/office/powerpoint/2010/main" val="3844782756"/>
-      </p:ext>
-    </p:extLst>
-  </p:cSld>
-  <p:clrMapOvr>
-    <a:masterClrMapping/>
-  </p:clrMapOvr>
-</p:sld>
-</file>
-
-<file path=ppt/slides/slide4.xml><?xml version="1.0" encoding="utf-8"?>
-<p:sld xmlns:a="http://schemas.openxmlformats.org/drawingml/2006/main" xmlns:r="http://schemas.openxmlformats.org/officeDocument/2006/relationships" xmlns:p="http://schemas.openxmlformats.org/presentationml/2006/main">
-  <p:cSld>
-    <p:bg>
-      <p:bgPr>
-        <a:solidFill>
-          <a:schemeClr val="bg1"/>
-        </a:solidFill>
-        <a:effectLst/>
-      </p:bgPr>
-    </p:bg>
-    <p:spTree>
-      <p:nvGrpSpPr>
-        <p:cNvPr id="1" name=""/>
-        <p:cNvGrpSpPr/>
-        <p:nvPr/>
-      </p:nvGrpSpPr>
-      <p:grpSpPr>
-        <a:xfrm>
-          <a:off x="0" y="0"/>
-          <a:ext cx="0" cy="0"/>
-          <a:chOff x="0" y="0"/>
-          <a:chExt cx="0" cy="0"/>
-        </a:xfrm>
-      </p:grpSpPr>
-      <p:sp useBgFill="1">
+      <p:sp>
         <p:nvSpPr>
           <p:cNvPr id="16" name="Rectangle 15">
             <a:extLst>
               <a:ext uri="{FF2B5EF4-FFF2-40B4-BE49-F238E27FC236}">
-                <a16:creationId xmlns:a16="http://schemas.microsoft.com/office/drawing/2014/main" id="{BA2AFC67-0973-EC0D-F14E-710D701B20BD}"/>
-              </a:ext>
-              <a:ext uri="{C183D7F6-B498-43B3-948B-1728B52AA6E4}">
-                <adec:decorative xmlns:adec="http://schemas.microsoft.com/office/drawing/2017/decorative" val="1"/>
-              </a:ext>
-            </a:extLst>
-          </p:cNvPr>
-          <p:cNvSpPr>
-            <a:spLocks noGrp="1" noRot="1" noChangeAspect="1" noMove="1" noResize="1" noEditPoints="1" noAdjustHandles="1" noChangeArrowheads="1" noChangeShapeType="1" noTextEdit="1"/>
-          </p:cNvSpPr>
-          <p:nvPr>
-            <p:extLst>
-              <p:ext uri="{386F3935-93C4-4BCD-93E2-E3B085C9AB24}">
-                <p16:designElem xmlns:p16="http://schemas.microsoft.com/office/powerpoint/2015/main" val="1"/>
-              </p:ext>
-            </p:extLst>
-          </p:nvPr>
-        </p:nvSpPr>
-        <p:spPr>
-          <a:xfrm>
-            <a:off x="0" y="0"/>
-            <a:ext cx="12192000" cy="6858000"/>
-          </a:xfrm>
-          <a:prstGeom prst="rect">
-            <a:avLst/>
-          </a:prstGeom>
-          <a:ln w="12700" cap="flat" cmpd="sng" algn="ctr">
-            <a:noFill/>
-            <a:prstDash val="solid"/>
-            <a:miter lim="800000"/>
-          </a:ln>
-          <a:effectLst/>
-          <a:extLst>
-            <a:ext uri="{91240B29-F687-4F45-9708-019B960494DF}">
-              <a14:hiddenLine xmlns:a14="http://schemas.microsoft.com/office/drawing/2010/main" w="12700" cap="flat" cmpd="sng" algn="ctr">
-                <a:solidFill>
-                  <a:schemeClr val="accent1">
-                    <a:shade val="15000"/>
-                  </a:schemeClr>
-                </a:solidFill>
-                <a:prstDash val="solid"/>
-                <a:miter lim="800000"/>
-              </a14:hiddenLine>
-            </a:ext>
-          </a:extLst>
-        </p:spPr>
-        <p:style>
-          <a:lnRef idx="2">
-            <a:schemeClr val="accent1">
-              <a:shade val="15000"/>
-            </a:schemeClr>
-          </a:lnRef>
-          <a:fillRef idx="1">
-            <a:schemeClr val="accent1"/>
-          </a:fillRef>
-          <a:effectRef idx="0">
-            <a:schemeClr val="accent1"/>
-          </a:effectRef>
-          <a:fontRef idx="minor">
-            <a:schemeClr val="lt1"/>
-          </a:fontRef>
-        </p:style>
-        <p:txBody>
-          <a:bodyPr rtlCol="0" anchor="ctr"/>
-          <a:lstStyle/>
-          <a:p>
-            <a:pPr algn="ctr"/>
-            <a:endParaRPr lang="en-US"/>
-          </a:p>
-        </p:txBody>
-      </p:sp>
-      <p:pic>
-        <p:nvPicPr>
-          <p:cNvPr id="5" name="Picture 4" descr="Stock exchange numbers">
-            <a:extLst>
-              <a:ext uri="{FF2B5EF4-FFF2-40B4-BE49-F238E27FC236}">
-                <a16:creationId xmlns:a16="http://schemas.microsoft.com/office/drawing/2014/main" id="{D4E678F3-51C4-0E7C-FACD-BB3D88961B60}"/>
-              </a:ext>
-            </a:extLst>
-          </p:cNvPr>
-          <p:cNvPicPr>
-            <a:picLocks noChangeAspect="1"/>
-          </p:cNvPicPr>
-          <p:nvPr/>
-        </p:nvPicPr>
-        <p:blipFill>
-          <a:blip r:embed="rId2"/>
-          <a:srcRect l="7927" r="19663" b="-1"/>
-          <a:stretch/>
-        </p:blipFill>
-        <p:spPr>
-          <a:xfrm>
-            <a:off x="4752550" y="10"/>
-            <a:ext cx="7439450" cy="6857990"/>
-          </a:xfrm>
-          <a:prstGeom prst="rect">
-            <a:avLst/>
-          </a:prstGeom>
-        </p:spPr>
-      </p:pic>
-      <p:sp>
-        <p:nvSpPr>
-          <p:cNvPr id="2" name="Title 1">
-            <a:extLst>
-              <a:ext uri="{FF2B5EF4-FFF2-40B4-BE49-F238E27FC236}">
-                <a16:creationId xmlns:a16="http://schemas.microsoft.com/office/drawing/2014/main" id="{E7AB8568-3C98-AFF9-6684-83196ED3EACF}"/>
-              </a:ext>
-            </a:extLst>
-          </p:cNvPr>
-          <p:cNvSpPr>
-            <a:spLocks noGrp="1"/>
-          </p:cNvSpPr>
-          <p:nvPr>
-            <p:ph type="title"/>
-          </p:nvPr>
-        </p:nvSpPr>
-        <p:spPr>
-          <a:xfrm>
-            <a:off x="1108465" y="351448"/>
-            <a:ext cx="2565841" cy="754976"/>
-          </a:xfrm>
-        </p:spPr>
-        <p:txBody>
-          <a:bodyPr vert="horz" lIns="91440" tIns="45720" rIns="91440" bIns="45720" rtlCol="0" anchor="b">
-            <a:normAutofit/>
-          </a:bodyPr>
-          <a:lstStyle/>
-          <a:p>
-            <a:r>
-              <a:rPr lang="en-US" b="1" kern="1200">
-                <a:solidFill>
-                  <a:schemeClr val="tx1"/>
-                </a:solidFill>
-                <a:latin typeface="+mj-lt"/>
-                <a:ea typeface="+mj-ea"/>
-                <a:cs typeface="+mj-cs"/>
-              </a:rPr>
-              <a:t>Summary </a:t>
-            </a:r>
-          </a:p>
-        </p:txBody>
-      </p:sp>
-      <p:sp>
-        <p:nvSpPr>
-          <p:cNvPr id="4" name="TextBox 3">
-            <a:extLst>
-              <a:ext uri="{FF2B5EF4-FFF2-40B4-BE49-F238E27FC236}">
-                <a16:creationId xmlns:a16="http://schemas.microsoft.com/office/drawing/2014/main" id="{DE9AD612-99F4-E160-1F5D-BA9BAC6F4517}"/>
-              </a:ext>
-            </a:extLst>
-          </p:cNvPr>
-          <p:cNvSpPr txBox="1"/>
-          <p:nvPr/>
-        </p:nvSpPr>
-        <p:spPr>
-          <a:xfrm>
-            <a:off x="614680" y="2212848"/>
-            <a:ext cx="3553413" cy="4122420"/>
-          </a:xfrm>
-          <a:prstGeom prst="rect">
-            <a:avLst/>
-          </a:prstGeom>
-        </p:spPr>
-        <p:txBody>
-          <a:bodyPr vert="horz" lIns="91440" tIns="45720" rIns="91440" bIns="45720" rtlCol="0">
-            <a:normAutofit/>
-          </a:bodyPr>
-          <a:lstStyle/>
-          <a:p>
-            <a:pPr>
-              <a:lnSpc>
-                <a:spcPct val="120000"/>
-              </a:lnSpc>
-              <a:spcAft>
-                <a:spcPts val="600"/>
-              </a:spcAft>
-            </a:pPr>
-            <a:r>
-              <a:rPr lang="en-US" dirty="0"/>
-              <a:t>Any changes we have made in our plan since last time should be addressed here if they are relevant details.</a:t>
-            </a:r>
-          </a:p>
-        </p:txBody>
-      </p:sp>
-    </p:spTree>
-    <p:extLst>
-      <p:ext uri="{BB962C8B-B14F-4D97-AF65-F5344CB8AC3E}">
-        <p14:creationId xmlns:p14="http://schemas.microsoft.com/office/powerpoint/2010/main" val="3504737571"/>
-      </p:ext>
-    </p:extLst>
-  </p:cSld>
-  <p:clrMapOvr>
-    <a:masterClrMapping/>
-  </p:clrMapOvr>
-</p:sld>
-</file>
-
-<file path=ppt/slides/slide5.xml><?xml version="1.0" encoding="utf-8"?>
-<p:sld xmlns:a="http://schemas.openxmlformats.org/drawingml/2006/main" xmlns:r="http://schemas.openxmlformats.org/officeDocument/2006/relationships" xmlns:p="http://schemas.openxmlformats.org/presentationml/2006/main">
-  <p:cSld>
-    <p:bg>
-      <p:bgPr>
-        <a:solidFill>
-          <a:schemeClr val="bg1"/>
-        </a:solidFill>
-        <a:effectLst/>
-      </p:bgPr>
-    </p:bg>
-    <p:spTree>
-      <p:nvGrpSpPr>
-        <p:cNvPr id="1" name=""/>
-        <p:cNvGrpSpPr/>
-        <p:nvPr/>
-      </p:nvGrpSpPr>
-      <p:grpSpPr>
-        <a:xfrm>
-          <a:off x="0" y="0"/>
-          <a:ext cx="0" cy="0"/>
-          <a:chOff x="0" y="0"/>
-          <a:chExt cx="0" cy="0"/>
-        </a:xfrm>
-      </p:grpSpPr>
-      <p:sp>
-        <p:nvSpPr>
-          <p:cNvPr id="23" name="Rectangle 22">
-            <a:extLst>
-              <a:ext uri="{FF2B5EF4-FFF2-40B4-BE49-F238E27FC236}">
-                <a16:creationId xmlns:a16="http://schemas.microsoft.com/office/drawing/2014/main" id="{223B85F9-9CA8-2B5F-4522-0B5D742E722F}"/>
+                <a16:creationId xmlns:a16="http://schemas.microsoft.com/office/drawing/2014/main" id="{21E0DC6F-DB0E-DBE1-8178-AE81BC6B96EA}"/>
               </a:ext>
               <a:ext uri="{C183D7F6-B498-43B3-948B-1728B52AA6E4}">
                 <adec:decorative xmlns:adec="http://schemas.microsoft.com/office/drawing/2017/decorative" val="1"/>
@@ -4489,86 +4028,12 @@
           </a:p>
         </p:txBody>
       </p:sp>
-      <p:sp>
-        <p:nvSpPr>
-          <p:cNvPr id="2" name="Title 1">
-            <a:extLst>
-              <a:ext uri="{FF2B5EF4-FFF2-40B4-BE49-F238E27FC236}">
-                <a16:creationId xmlns:a16="http://schemas.microsoft.com/office/drawing/2014/main" id="{B5CF1096-8E03-356D-6432-0F2BFAC8CBE0}"/>
-              </a:ext>
-            </a:extLst>
-          </p:cNvPr>
-          <p:cNvSpPr>
-            <a:spLocks noGrp="1"/>
-          </p:cNvSpPr>
-          <p:nvPr>
-            <p:ph type="title"/>
-          </p:nvPr>
-        </p:nvSpPr>
-        <p:spPr>
-          <a:xfrm>
-            <a:off x="6582718" y="443553"/>
-            <a:ext cx="4998300" cy="1610316"/>
-          </a:xfrm>
-        </p:spPr>
-        <p:txBody>
-          <a:bodyPr vert="horz" lIns="91440" tIns="45720" rIns="91440" bIns="45720" rtlCol="0" anchor="b">
-            <a:normAutofit/>
-          </a:bodyPr>
-          <a:lstStyle/>
-          <a:p>
-            <a:r>
-              <a:rPr lang="en-US" sz="4800" dirty="0"/>
-              <a:t>Team Member Presentations</a:t>
-            </a:r>
-          </a:p>
-        </p:txBody>
-      </p:sp>
-      <p:sp>
-        <p:nvSpPr>
-          <p:cNvPr id="4" name="TextBox 3">
-            <a:extLst>
-              <a:ext uri="{FF2B5EF4-FFF2-40B4-BE49-F238E27FC236}">
-                <a16:creationId xmlns:a16="http://schemas.microsoft.com/office/drawing/2014/main" id="{EEA6A6F6-450E-1AD1-4CB8-EE53D7726371}"/>
-              </a:ext>
-            </a:extLst>
-          </p:cNvPr>
-          <p:cNvSpPr txBox="1"/>
-          <p:nvPr/>
-        </p:nvSpPr>
-        <p:spPr>
-          <a:xfrm>
-            <a:off x="6582718" y="3874545"/>
-            <a:ext cx="4998301" cy="1492585"/>
-          </a:xfrm>
-          <a:prstGeom prst="rect">
-            <a:avLst/>
-          </a:prstGeom>
-        </p:spPr>
-        <p:txBody>
-          <a:bodyPr vert="horz" lIns="91440" tIns="45720" rIns="91440" bIns="45720" rtlCol="0">
-            <a:normAutofit/>
-          </a:bodyPr>
-          <a:lstStyle/>
-          <a:p>
-            <a:pPr>
-              <a:lnSpc>
-                <a:spcPct val="120000"/>
-              </a:lnSpc>
-              <a:spcBef>
-                <a:spcPts val="1000"/>
-              </a:spcBef>
-            </a:pPr>
-            <a:endParaRPr lang="en-US" sz="2000" dirty="0"/>
-          </a:p>
-        </p:txBody>
-      </p:sp>
       <p:pic>
         <p:nvPicPr>
-          <p:cNvPr id="18" name="Graphic 17" descr="Teacher">
-            <a:extLst>
-              <a:ext uri="{FF2B5EF4-FFF2-40B4-BE49-F238E27FC236}">
-                <a16:creationId xmlns:a16="http://schemas.microsoft.com/office/drawing/2014/main" id="{FBA15F39-8236-29D1-57F8-2BC21303A172}"/>
+          <p:cNvPr id="5" name="Picture 4" descr="Arrows in a dartboard">
+            <a:extLst>
+              <a:ext uri="{FF2B5EF4-FFF2-40B4-BE49-F238E27FC236}">
+                <a16:creationId xmlns:a16="http://schemas.microsoft.com/office/drawing/2014/main" id="{B8A07996-2195-BF47-3610-AD10A0E61AB2}"/>
               </a:ext>
             </a:extLst>
           </p:cNvPr>
@@ -4578,24 +4043,14 @@
           <p:nvPr/>
         </p:nvPicPr>
         <p:blipFill>
-          <a:blip r:embed="rId2">
-            <a:extLst>
-              <a:ext uri="{28A0092B-C50C-407E-A947-70E740481C1C}">
-                <a14:useLocalDpi xmlns:a14="http://schemas.microsoft.com/office/drawing/2010/main" val="0"/>
-              </a:ext>
-              <a:ext uri="{96DAC541-7B7A-43D3-8B79-37D633B846F1}">
-                <asvg:svgBlip xmlns:asvg="http://schemas.microsoft.com/office/drawing/2016/SVG/main" r:embed="rId3"/>
-              </a:ext>
-            </a:extLst>
-          </a:blip>
-          <a:stretch>
-            <a:fillRect/>
-          </a:stretch>
+          <a:blip r:embed="rId2"/>
+          <a:srcRect t="12330" r="9091" b="11061"/>
+          <a:stretch/>
         </p:blipFill>
         <p:spPr>
           <a:xfrm>
-            <a:off x="875638" y="719282"/>
-            <a:ext cx="5310996" cy="5310996"/>
+            <a:off x="0" y="-1"/>
+            <a:ext cx="12191980" cy="6857990"/>
           </a:xfrm>
           <a:prstGeom prst="rect">
             <a:avLst/>
@@ -4604,10 +4059,110 @@
       </p:pic>
       <p:sp>
         <p:nvSpPr>
-          <p:cNvPr id="5" name="TextBox 4">
-            <a:extLst>
-              <a:ext uri="{FF2B5EF4-FFF2-40B4-BE49-F238E27FC236}">
-                <a16:creationId xmlns:a16="http://schemas.microsoft.com/office/drawing/2014/main" id="{ED4ECFD9-D08C-6EAE-63D3-75E908ABE81B}"/>
+          <p:cNvPr id="18" name="Rectangle 17">
+            <a:extLst>
+              <a:ext uri="{FF2B5EF4-FFF2-40B4-BE49-F238E27FC236}">
+                <a16:creationId xmlns:a16="http://schemas.microsoft.com/office/drawing/2014/main" id="{84D07BF5-D29E-918E-55FE-747AF2A0E23F}"/>
+              </a:ext>
+              <a:ext uri="{C183D7F6-B498-43B3-948B-1728B52AA6E4}">
+                <adec:decorative xmlns:adec="http://schemas.microsoft.com/office/drawing/2017/decorative" val="1"/>
+              </a:ext>
+            </a:extLst>
+          </p:cNvPr>
+          <p:cNvSpPr>
+            <a:spLocks noGrp="1" noRot="1" noChangeAspect="1" noMove="1" noResize="1" noEditPoints="1" noAdjustHandles="1" noChangeArrowheads="1" noChangeShapeType="1" noTextEdit="1"/>
+          </p:cNvSpPr>
+          <p:nvPr>
+            <p:extLst>
+              <p:ext uri="{386F3935-93C4-4BCD-93E2-E3B085C9AB24}">
+                <p16:designElem xmlns:p16="http://schemas.microsoft.com/office/powerpoint/2015/main" val="1"/>
+              </p:ext>
+            </p:extLst>
+          </p:nvPr>
+        </p:nvSpPr>
+        <p:spPr>
+          <a:xfrm>
+            <a:off x="0" y="0"/>
+            <a:ext cx="4366726" cy="6858001"/>
+          </a:xfrm>
+          <a:prstGeom prst="rect">
+            <a:avLst/>
+          </a:prstGeom>
+          <a:solidFill>
+            <a:schemeClr val="bg1">
+              <a:alpha val="70000"/>
+            </a:schemeClr>
+          </a:solidFill>
+          <a:ln>
+            <a:noFill/>
+          </a:ln>
+        </p:spPr>
+        <p:style>
+          <a:lnRef idx="2">
+            <a:schemeClr val="accent1">
+              <a:shade val="50000"/>
+            </a:schemeClr>
+          </a:lnRef>
+          <a:fillRef idx="1">
+            <a:schemeClr val="accent1"/>
+          </a:fillRef>
+          <a:effectRef idx="0">
+            <a:schemeClr val="accent1"/>
+          </a:effectRef>
+          <a:fontRef idx="minor">
+            <a:schemeClr val="lt1"/>
+          </a:fontRef>
+        </p:style>
+        <p:txBody>
+          <a:bodyPr rtlCol="0" anchor="ctr"/>
+          <a:lstStyle/>
+          <a:p>
+            <a:pPr algn="ctr"/>
+            <a:endParaRPr lang="en-US"/>
+          </a:p>
+        </p:txBody>
+      </p:sp>
+      <p:sp>
+        <p:nvSpPr>
+          <p:cNvPr id="2" name="Title 1">
+            <a:extLst>
+              <a:ext uri="{FF2B5EF4-FFF2-40B4-BE49-F238E27FC236}">
+                <a16:creationId xmlns:a16="http://schemas.microsoft.com/office/drawing/2014/main" id="{41102BF9-58CE-A871-A0E7-AA600A1E0B83}"/>
+              </a:ext>
+            </a:extLst>
+          </p:cNvPr>
+          <p:cNvSpPr>
+            <a:spLocks noGrp="1"/>
+          </p:cNvSpPr>
+          <p:nvPr>
+            <p:ph type="title"/>
+          </p:nvPr>
+        </p:nvSpPr>
+        <p:spPr>
+          <a:xfrm>
+            <a:off x="357789" y="159026"/>
+            <a:ext cx="2814781" cy="1176793"/>
+          </a:xfrm>
+        </p:spPr>
+        <p:txBody>
+          <a:bodyPr vert="horz" lIns="91440" tIns="45720" rIns="91440" bIns="45720" rtlCol="0" anchor="t">
+            <a:normAutofit/>
+          </a:bodyPr>
+          <a:lstStyle/>
+          <a:p>
+            <a:r>
+              <a:rPr lang="en-US" sz="3200" dirty="0"/>
+              <a:t>Next Weeks Targets</a:t>
+            </a:r>
+          </a:p>
+        </p:txBody>
+      </p:sp>
+      <p:sp>
+        <p:nvSpPr>
+          <p:cNvPr id="4" name="TextBox 3">
+            <a:extLst>
+              <a:ext uri="{FF2B5EF4-FFF2-40B4-BE49-F238E27FC236}">
+                <a16:creationId xmlns:a16="http://schemas.microsoft.com/office/drawing/2014/main" id="{F1AF3DF0-FF00-60C9-42E5-09113C26FC95}"/>
               </a:ext>
             </a:extLst>
           </p:cNvPr>
@@ -4616,8 +4171,8 @@
         </p:nvSpPr>
         <p:spPr>
           <a:xfrm>
-            <a:off x="6748818" y="2511188"/>
-            <a:ext cx="4339988" cy="2031325"/>
+            <a:off x="357789" y="1090160"/>
+            <a:ext cx="3941256" cy="5632311"/>
           </a:xfrm>
           <a:prstGeom prst="rect">
             <a:avLst/>
@@ -4631,77 +4186,195 @@
           <a:lstStyle/>
           <a:p>
             <a:r>
-              <a:rPr lang="en-US" dirty="0"/>
-              <a:t>At this point each team member must present what they have been doing over the past week, so I advise using screenshots and 1 slide each.</a:t>
-            </a:r>
-          </a:p>
-          <a:p>
-            <a:endParaRPr lang="en-US" dirty="0"/>
-          </a:p>
-          <a:p>
-            <a:r>
-              <a:rPr lang="en-US" dirty="0"/>
-              <a:t>Also include what your next weeks plans are.</a:t>
-            </a:r>
-            <a:endParaRPr lang="en-GB" dirty="0"/>
-          </a:p>
-        </p:txBody>
-      </p:sp>
-      <p:sp>
-        <p:nvSpPr>
-          <p:cNvPr id="3" name="TextBox 2">
-            <a:extLst>
-              <a:ext uri="{FF2B5EF4-FFF2-40B4-BE49-F238E27FC236}">
-                <a16:creationId xmlns:a16="http://schemas.microsoft.com/office/drawing/2014/main" id="{F06D538E-436E-2CAA-5A8B-CA3C2B93CA3E}"/>
-              </a:ext>
-            </a:extLst>
-          </p:cNvPr>
-          <p:cNvSpPr txBox="1"/>
-          <p:nvPr/>
-        </p:nvSpPr>
-        <p:spPr>
-          <a:xfrm>
-            <a:off x="593678" y="218364"/>
-            <a:ext cx="4531056" cy="2031325"/>
-          </a:xfrm>
-          <a:prstGeom prst="rect">
-            <a:avLst/>
-          </a:prstGeom>
-          <a:noFill/>
-        </p:spPr>
-        <p:txBody>
-          <a:bodyPr wrap="square" rtlCol="0">
-            <a:spAutoFit/>
-          </a:bodyPr>
-          <a:lstStyle/>
-          <a:p>
-            <a:r>
-              <a:rPr lang="en-US" dirty="0"/>
-              <a:t>Sam and Blaine – concept level design 2 weeks</a:t>
-            </a:r>
-          </a:p>
-          <a:p>
-            <a:r>
-              <a:rPr lang="en-US" dirty="0"/>
-              <a:t>Josh - UI concept 1 week</a:t>
-            </a:r>
-          </a:p>
-          <a:p>
-            <a:r>
-              <a:rPr lang="en-US" dirty="0"/>
-              <a:t>Bronwyn – Weapons concepts 2 weeks</a:t>
-            </a:r>
-          </a:p>
-          <a:p>
-            <a:r>
-              <a:rPr lang="en-GB" dirty="0"/>
-              <a:t>Bailey – enemy concepts 2 weeks</a:t>
-            </a:r>
-          </a:p>
-          <a:p>
-            <a:r>
-              <a:rPr lang="en-GB" dirty="0"/>
-              <a:t>Dan and Owen – Learning blueprints and researching grapple mechanics</a:t>
+              <a:rPr lang="en-US" dirty="0">
+                <a:solidFill>
+                  <a:srgbClr val="0070C0"/>
+                </a:solidFill>
+              </a:rPr>
+              <a:t>Toby- Find and </a:t>
+            </a:r>
+            <a:r>
+              <a:rPr lang="en-US" dirty="0" err="1">
+                <a:solidFill>
+                  <a:srgbClr val="0070C0"/>
+                </a:solidFill>
+              </a:rPr>
+              <a:t>analyse</a:t>
+            </a:r>
+            <a:r>
+              <a:rPr lang="en-US" dirty="0">
+                <a:solidFill>
+                  <a:srgbClr val="0070C0"/>
+                </a:solidFill>
+              </a:rPr>
+              <a:t> market studies.</a:t>
+            </a:r>
+          </a:p>
+          <a:p>
+            <a:endParaRPr lang="en-US" dirty="0">
+              <a:solidFill>
+                <a:srgbClr val="0070C0"/>
+              </a:solidFill>
+            </a:endParaRPr>
+          </a:p>
+          <a:p>
+            <a:r>
+              <a:rPr lang="en-US" dirty="0">
+                <a:solidFill>
+                  <a:srgbClr val="0070C0"/>
+                </a:solidFill>
+              </a:rPr>
+              <a:t>Sam- Finish rough level concept.</a:t>
+            </a:r>
+          </a:p>
+          <a:p>
+            <a:endParaRPr lang="en-US" dirty="0">
+              <a:solidFill>
+                <a:srgbClr val="0070C0"/>
+              </a:solidFill>
+            </a:endParaRPr>
+          </a:p>
+          <a:p>
+            <a:r>
+              <a:rPr lang="en-US" dirty="0">
+                <a:solidFill>
+                  <a:srgbClr val="0070C0"/>
+                </a:solidFill>
+              </a:rPr>
+              <a:t>Blaine- Finish rough level concept.</a:t>
+            </a:r>
+          </a:p>
+          <a:p>
+            <a:endParaRPr lang="en-GB" dirty="0">
+              <a:solidFill>
+                <a:srgbClr val="0070C0"/>
+              </a:solidFill>
+            </a:endParaRPr>
+          </a:p>
+          <a:p>
+            <a:r>
+              <a:rPr lang="en-GB" dirty="0">
+                <a:solidFill>
+                  <a:srgbClr val="0070C0"/>
+                </a:solidFill>
+              </a:rPr>
+              <a:t>Josh- Help concept enemies.</a:t>
+            </a:r>
+          </a:p>
+          <a:p>
+            <a:endParaRPr lang="en-GB" dirty="0">
+              <a:solidFill>
+                <a:srgbClr val="0070C0"/>
+              </a:solidFill>
+            </a:endParaRPr>
+          </a:p>
+          <a:p>
+            <a:r>
+              <a:rPr lang="en-GB" dirty="0">
+                <a:solidFill>
+                  <a:srgbClr val="0070C0"/>
+                </a:solidFill>
+              </a:rPr>
+              <a:t>Bronwyn- Finish rough weapon concepts.</a:t>
+            </a:r>
+          </a:p>
+          <a:p>
+            <a:endParaRPr lang="en-GB" dirty="0">
+              <a:solidFill>
+                <a:srgbClr val="0070C0"/>
+              </a:solidFill>
+            </a:endParaRPr>
+          </a:p>
+          <a:p>
+            <a:r>
+              <a:rPr lang="en-GB" dirty="0">
+                <a:solidFill>
+                  <a:srgbClr val="0070C0"/>
+                </a:solidFill>
+              </a:rPr>
+              <a:t>Bailey- Continue concepting enemies.</a:t>
+            </a:r>
+          </a:p>
+          <a:p>
+            <a:endParaRPr lang="en-GB" dirty="0">
+              <a:solidFill>
+                <a:srgbClr val="0070C0"/>
+              </a:solidFill>
+            </a:endParaRPr>
+          </a:p>
+          <a:p>
+            <a:r>
+              <a:rPr lang="en-GB" dirty="0">
+                <a:solidFill>
+                  <a:srgbClr val="0070C0"/>
+                </a:solidFill>
+              </a:rPr>
+              <a:t>Dan- </a:t>
+            </a:r>
+            <a:r>
+              <a:rPr lang="en-US" dirty="0">
+                <a:solidFill>
+                  <a:srgbClr val="0070C0"/>
+                </a:solidFill>
+              </a:rPr>
+              <a:t>Find and </a:t>
+            </a:r>
+            <a:r>
+              <a:rPr lang="en-US" dirty="0" err="1">
+                <a:solidFill>
+                  <a:srgbClr val="0070C0"/>
+                </a:solidFill>
+              </a:rPr>
+              <a:t>analyse</a:t>
+            </a:r>
+            <a:r>
+              <a:rPr lang="en-US" dirty="0">
+                <a:solidFill>
+                  <a:srgbClr val="0070C0"/>
+                </a:solidFill>
+              </a:rPr>
+              <a:t> market studies.</a:t>
+            </a:r>
+          </a:p>
+          <a:p>
+            <a:endParaRPr lang="en-GB" dirty="0">
+              <a:solidFill>
+                <a:srgbClr val="0070C0"/>
+              </a:solidFill>
+            </a:endParaRPr>
+          </a:p>
+          <a:p>
+            <a:r>
+              <a:rPr lang="en-GB" dirty="0">
+                <a:solidFill>
+                  <a:srgbClr val="0070C0"/>
+                </a:solidFill>
+              </a:rPr>
+              <a:t>Owen- </a:t>
+            </a:r>
+            <a:r>
+              <a:rPr lang="en-US" dirty="0">
+                <a:solidFill>
+                  <a:srgbClr val="0070C0"/>
+                </a:solidFill>
+              </a:rPr>
+              <a:t>Find and </a:t>
+            </a:r>
+            <a:r>
+              <a:rPr lang="en-US" dirty="0" err="1">
+                <a:solidFill>
+                  <a:srgbClr val="0070C0"/>
+                </a:solidFill>
+              </a:rPr>
+              <a:t>analyse</a:t>
+            </a:r>
+            <a:r>
+              <a:rPr lang="en-US" dirty="0">
+                <a:solidFill>
+                  <a:srgbClr val="0070C0"/>
+                </a:solidFill>
+              </a:rPr>
+              <a:t> market studies.</a:t>
             </a:r>
           </a:p>
         </p:txBody>
@@ -4709,7 +4382,7 @@
     </p:spTree>
     <p:extLst>
       <p:ext uri="{BB962C8B-B14F-4D97-AF65-F5344CB8AC3E}">
-        <p14:creationId xmlns:p14="http://schemas.microsoft.com/office/powerpoint/2010/main" val="2603334312"/>
+        <p14:creationId xmlns:p14="http://schemas.microsoft.com/office/powerpoint/2010/main" val="2319581955"/>
       </p:ext>
     </p:extLst>
   </p:cSld>
@@ -4719,7 +4392,7 @@
 </p:sld>
 </file>
 
-<file path=ppt/slides/slide6.xml><?xml version="1.0" encoding="utf-8"?>
+<file path=ppt/slides/slide13.xml><?xml version="1.0" encoding="utf-8"?>
 <p:sld xmlns:a="http://schemas.openxmlformats.org/drawingml/2006/main" xmlns:r="http://schemas.openxmlformats.org/officeDocument/2006/relationships" xmlns:p="http://schemas.openxmlformats.org/presentationml/2006/main">
   <p:cSld>
     <p:bg>
@@ -4746,10 +4419,10 @@
       </p:grpSpPr>
       <p:sp>
         <p:nvSpPr>
-          <p:cNvPr id="16" name="Rectangle 15">
-            <a:extLst>
-              <a:ext uri="{FF2B5EF4-FFF2-40B4-BE49-F238E27FC236}">
-                <a16:creationId xmlns:a16="http://schemas.microsoft.com/office/drawing/2014/main" id="{21E0DC6F-DB0E-DBE1-8178-AE81BC6B96EA}"/>
+          <p:cNvPr id="9" name="Rectangle 8">
+            <a:extLst>
+              <a:ext uri="{FF2B5EF4-FFF2-40B4-BE49-F238E27FC236}">
+                <a16:creationId xmlns:a16="http://schemas.microsoft.com/office/drawing/2014/main" id="{ED587E41-605C-A8E4-8BA5-0E0B3797C9AA}"/>
               </a:ext>
               <a:ext uri="{C183D7F6-B498-43B3-948B-1728B52AA6E4}">
                 <adec:decorative xmlns:adec="http://schemas.microsoft.com/office/drawing/2017/decorative" val="1"/>
@@ -4818,17 +4491,46 @@
           <a:bodyPr rtlCol="0" anchor="ctr"/>
           <a:lstStyle/>
           <a:p>
-            <a:pPr algn="ctr"/>
-            <a:endParaRPr lang="en-US"/>
+            <a:pPr marL="0" marR="0" lvl="0" indent="0" algn="ctr" defTabSz="914400" rtl="0" eaLnBrk="1" fontAlgn="auto" latinLnBrk="0" hangingPunct="1">
+              <a:lnSpc>
+                <a:spcPct val="100000"/>
+              </a:lnSpc>
+              <a:spcBef>
+                <a:spcPts val="0"/>
+              </a:spcBef>
+              <a:spcAft>
+                <a:spcPts val="0"/>
+              </a:spcAft>
+              <a:buClrTx/>
+              <a:buSzTx/>
+              <a:buFontTx/>
+              <a:buNone/>
+              <a:tabLst/>
+              <a:defRPr/>
+            </a:pPr>
+            <a:endParaRPr kumimoji="0" lang="en-US" sz="1800" b="0" i="0" u="none" strike="noStrike" kern="1200" cap="none" spc="0" normalizeH="0" baseline="0" noProof="0">
+              <a:ln>
+                <a:noFill/>
+              </a:ln>
+              <a:solidFill>
+                <a:prstClr val="white"/>
+              </a:solidFill>
+              <a:effectLst/>
+              <a:uLnTx/>
+              <a:uFillTx/>
+              <a:latin typeface="Neue Haas Grotesk Text Pro"/>
+              <a:ea typeface="+mn-ea"/>
+              <a:cs typeface="+mn-cs"/>
+            </a:endParaRPr>
           </a:p>
         </p:txBody>
       </p:sp>
       <p:pic>
         <p:nvPicPr>
-          <p:cNvPr id="5" name="Picture 4" descr="Arrows in a dartboard">
-            <a:extLst>
-              <a:ext uri="{FF2B5EF4-FFF2-40B4-BE49-F238E27FC236}">
-                <a16:creationId xmlns:a16="http://schemas.microsoft.com/office/drawing/2014/main" id="{B8A07996-2195-BF47-3610-AD10A0E61AB2}"/>
+          <p:cNvPr id="5" name="Picture 4" descr="Person walking up a stairs">
+            <a:extLst>
+              <a:ext uri="{FF2B5EF4-FFF2-40B4-BE49-F238E27FC236}">
+                <a16:creationId xmlns:a16="http://schemas.microsoft.com/office/drawing/2014/main" id="{F08DF673-3629-4602-37DD-FE0E89784E4A}"/>
               </a:ext>
             </a:extLst>
           </p:cNvPr>
@@ -4839,12 +4541,12 @@
         </p:nvPicPr>
         <p:blipFill>
           <a:blip r:embed="rId2"/>
-          <a:srcRect t="12330" r="9091" b="11061"/>
+          <a:srcRect t="11259" b="4471"/>
           <a:stretch/>
         </p:blipFill>
         <p:spPr>
           <a:xfrm>
-            <a:off x="0" y="-1"/>
+            <a:off x="20" y="10"/>
             <a:ext cx="12191980" cy="6857990"/>
           </a:xfrm>
           <a:prstGeom prst="rect">
@@ -4854,10 +4556,10 @@
       </p:pic>
       <p:sp>
         <p:nvSpPr>
-          <p:cNvPr id="18" name="Rectangle 17">
-            <a:extLst>
-              <a:ext uri="{FF2B5EF4-FFF2-40B4-BE49-F238E27FC236}">
-                <a16:creationId xmlns:a16="http://schemas.microsoft.com/office/drawing/2014/main" id="{84D07BF5-D29E-918E-55FE-747AF2A0E23F}"/>
+          <p:cNvPr id="11" name="Rectangle 10">
+            <a:extLst>
+              <a:ext uri="{FF2B5EF4-FFF2-40B4-BE49-F238E27FC236}">
+                <a16:creationId xmlns:a16="http://schemas.microsoft.com/office/drawing/2014/main" id="{EBD48A03-0DF9-3063-CB15-1BC2AEC79F1C}"/>
               </a:ext>
               <a:ext uri="{C183D7F6-B498-43B3-948B-1728B52AA6E4}">
                 <adec:decorative xmlns:adec="http://schemas.microsoft.com/office/drawing/2017/decorative" val="1"/>
@@ -4877,15 +4579,15 @@
         </p:nvSpPr>
         <p:spPr>
           <a:xfrm>
-            <a:off x="0" y="0"/>
-            <a:ext cx="4366726" cy="6858001"/>
+            <a:off x="0" y="5614416"/>
+            <a:ext cx="12191999" cy="1243584"/>
           </a:xfrm>
           <a:prstGeom prst="rect">
             <a:avLst/>
           </a:prstGeom>
           <a:solidFill>
             <a:schemeClr val="bg1">
-              <a:alpha val="70000"/>
+              <a:alpha val="28000"/>
             </a:schemeClr>
           </a:solidFill>
           <a:ln>
@@ -4912,8 +4614,37 @@
           <a:bodyPr rtlCol="0" anchor="ctr"/>
           <a:lstStyle/>
           <a:p>
-            <a:pPr algn="ctr"/>
-            <a:endParaRPr lang="en-US"/>
+            <a:pPr marL="0" marR="0" lvl="0" indent="0" algn="ctr" defTabSz="914400" rtl="0" eaLnBrk="1" fontAlgn="auto" latinLnBrk="0" hangingPunct="1">
+              <a:lnSpc>
+                <a:spcPct val="100000"/>
+              </a:lnSpc>
+              <a:spcBef>
+                <a:spcPts val="0"/>
+              </a:spcBef>
+              <a:spcAft>
+                <a:spcPts val="0"/>
+              </a:spcAft>
+              <a:buClrTx/>
+              <a:buSzTx/>
+              <a:buFontTx/>
+              <a:buNone/>
+              <a:tabLst/>
+              <a:defRPr/>
+            </a:pPr>
+            <a:endParaRPr kumimoji="0" lang="en-US" sz="1800" b="0" i="0" u="none" strike="noStrike" kern="1200" cap="none" spc="0" normalizeH="0" baseline="0" noProof="0">
+              <a:ln>
+                <a:noFill/>
+              </a:ln>
+              <a:solidFill>
+                <a:prstClr val="white"/>
+              </a:solidFill>
+              <a:effectLst/>
+              <a:uLnTx/>
+              <a:uFillTx/>
+              <a:latin typeface="Neue Haas Grotesk Text Pro"/>
+              <a:ea typeface="+mn-ea"/>
+              <a:cs typeface="+mn-cs"/>
+            </a:endParaRPr>
           </a:p>
         </p:txBody>
       </p:sp>
@@ -4922,7 +4653,7 @@
           <p:cNvPr id="2" name="Title 1">
             <a:extLst>
               <a:ext uri="{FF2B5EF4-FFF2-40B4-BE49-F238E27FC236}">
-                <a16:creationId xmlns:a16="http://schemas.microsoft.com/office/drawing/2014/main" id="{41102BF9-58CE-A871-A0E7-AA600A1E0B83}"/>
+                <a16:creationId xmlns:a16="http://schemas.microsoft.com/office/drawing/2014/main" id="{8F770603-EB41-6D3D-31E5-841239A695BD}"/>
               </a:ext>
             </a:extLst>
           </p:cNvPr>
@@ -4935,29 +4666,29 @@
         </p:nvSpPr>
         <p:spPr>
           <a:xfrm>
-            <a:off x="357789" y="159026"/>
-            <a:ext cx="2814781" cy="1176793"/>
+            <a:off x="320040" y="5768969"/>
+            <a:ext cx="8183880" cy="960120"/>
           </a:xfrm>
         </p:spPr>
         <p:txBody>
-          <a:bodyPr vert="horz" lIns="91440" tIns="45720" rIns="91440" bIns="45720" rtlCol="0" anchor="t">
+          <a:bodyPr vert="horz" lIns="91440" tIns="45720" rIns="91440" bIns="45720" rtlCol="0" anchor="ctr">
             <a:normAutofit/>
           </a:bodyPr>
           <a:lstStyle/>
           <a:p>
             <a:r>
-              <a:rPr lang="en-US" sz="3200" dirty="0"/>
-              <a:t>Next Weeks Targets</a:t>
-            </a:r>
-          </a:p>
-        </p:txBody>
-      </p:sp>
-      <p:sp>
-        <p:nvSpPr>
-          <p:cNvPr id="4" name="TextBox 3">
-            <a:extLst>
-              <a:ext uri="{FF2B5EF4-FFF2-40B4-BE49-F238E27FC236}">
-                <a16:creationId xmlns:a16="http://schemas.microsoft.com/office/drawing/2014/main" id="{F1AF3DF0-FF00-60C9-42E5-09113C26FC95}"/>
+              <a:rPr lang="en-US" sz="4000"/>
+              <a:t>Challenges</a:t>
+            </a:r>
+          </a:p>
+        </p:txBody>
+      </p:sp>
+      <p:sp>
+        <p:nvSpPr>
+          <p:cNvPr id="6" name="TextBox 5">
+            <a:extLst>
+              <a:ext uri="{FF2B5EF4-FFF2-40B4-BE49-F238E27FC236}">
+                <a16:creationId xmlns:a16="http://schemas.microsoft.com/office/drawing/2014/main" id="{D85AD87C-90BE-3256-D88B-9DC4D5AACA85}"/>
               </a:ext>
             </a:extLst>
           </p:cNvPr>
@@ -4966,8 +4697,8 @@
         </p:nvSpPr>
         <p:spPr>
           <a:xfrm>
-            <a:off x="326003" y="1749287"/>
-            <a:ext cx="2973788" cy="1200329"/>
+            <a:off x="8368274" y="4875752"/>
+            <a:ext cx="3275937" cy="1754326"/>
           </a:xfrm>
           <a:prstGeom prst="rect">
             <a:avLst/>
@@ -4982,7 +4713,23 @@
           <a:p>
             <a:r>
               <a:rPr lang="en-US" dirty="0"/>
-              <a:t>An overall summary of the next weeks goals should be made here. Relate it to timeline.</a:t>
+              <a:t>Medical issues, illness, familiarity with </a:t>
+            </a:r>
+            <a:r>
+              <a:rPr lang="en-US" dirty="0" err="1"/>
+              <a:t>github</a:t>
+            </a:r>
+            <a:r>
+              <a:rPr lang="en-US" dirty="0"/>
+              <a:t>, struggles communicating</a:t>
+            </a:r>
+            <a:r>
+              <a:rPr lang="en-US"/>
+              <a:t>, disengagement, </a:t>
+            </a:r>
+            <a:r>
+              <a:rPr lang="en-US" dirty="0"/>
+              <a:t>time management with other units.</a:t>
             </a:r>
             <a:endParaRPr lang="en-GB" dirty="0"/>
           </a:p>
@@ -4991,17 +4738,17 @@
     </p:spTree>
     <p:extLst>
       <p:ext uri="{BB962C8B-B14F-4D97-AF65-F5344CB8AC3E}">
-        <p14:creationId xmlns:p14="http://schemas.microsoft.com/office/powerpoint/2010/main" val="2319581955"/>
+        <p14:creationId xmlns:p14="http://schemas.microsoft.com/office/powerpoint/2010/main" val="2158624020"/>
       </p:ext>
     </p:extLst>
   </p:cSld>
   <p:clrMapOvr>
-    <a:masterClrMapping/>
+    <a:overrideClrMapping bg1="dk1" tx1="lt1" bg2="dk2" tx2="lt2" accent1="accent1" accent2="accent2" accent3="accent3" accent4="accent4" accent5="accent5" accent6="accent6" hlink="hlink" folHlink="folHlink"/>
   </p:clrMapOvr>
 </p:sld>
 </file>
 
-<file path=ppt/slides/slide7.xml><?xml version="1.0" encoding="utf-8"?>
+<file path=ppt/slides/slide14.xml><?xml version="1.0" encoding="utf-8"?>
 <p:sld xmlns:a="http://schemas.openxmlformats.org/drawingml/2006/main" xmlns:r="http://schemas.openxmlformats.org/officeDocument/2006/relationships" xmlns:p="http://schemas.openxmlformats.org/presentationml/2006/main">
   <p:cSld>
     <p:bg>
@@ -5136,10 +4883,10 @@
       </p:sp>
       <p:pic>
         <p:nvPicPr>
-          <p:cNvPr id="5" name="Picture 4" descr="Person walking up a stairs">
-            <a:extLst>
-              <a:ext uri="{FF2B5EF4-FFF2-40B4-BE49-F238E27FC236}">
-                <a16:creationId xmlns:a16="http://schemas.microsoft.com/office/drawing/2014/main" id="{F08DF673-3629-4602-37DD-FE0E89784E4A}"/>
+          <p:cNvPr id="5" name="Picture 4" descr="Magnifying glass and question mark">
+            <a:extLst>
+              <a:ext uri="{FF2B5EF4-FFF2-40B4-BE49-F238E27FC236}">
+                <a16:creationId xmlns:a16="http://schemas.microsoft.com/office/drawing/2014/main" id="{DF84F6A5-C01F-881C-4CD5-9616B9281A53}"/>
               </a:ext>
             </a:extLst>
           </p:cNvPr>
@@ -5150,7 +4897,7 @@
         </p:nvPicPr>
         <p:blipFill>
           <a:blip r:embed="rId2"/>
-          <a:srcRect t="11259" b="4471"/>
+          <a:srcRect/>
           <a:stretch/>
         </p:blipFill>
         <p:spPr>
@@ -5262,7 +5009,7 @@
           <p:cNvPr id="2" name="Title 1">
             <a:extLst>
               <a:ext uri="{FF2B5EF4-FFF2-40B4-BE49-F238E27FC236}">
-                <a16:creationId xmlns:a16="http://schemas.microsoft.com/office/drawing/2014/main" id="{8F770603-EB41-6D3D-31E5-841239A695BD}"/>
+                <a16:creationId xmlns:a16="http://schemas.microsoft.com/office/drawing/2014/main" id="{B0FB6342-F6A2-B14F-A5ED-55BE00AE5C1E}"/>
               </a:ext>
             </a:extLst>
           </p:cNvPr>
@@ -5287,17 +5034,17 @@
           <a:p>
             <a:r>
               <a:rPr lang="en-US" sz="4000"/>
-              <a:t>Challenges</a:t>
-            </a:r>
-          </a:p>
-        </p:txBody>
-      </p:sp>
-      <p:sp>
-        <p:nvSpPr>
-          <p:cNvPr id="6" name="TextBox 5">
-            <a:extLst>
-              <a:ext uri="{FF2B5EF4-FFF2-40B4-BE49-F238E27FC236}">
-                <a16:creationId xmlns:a16="http://schemas.microsoft.com/office/drawing/2014/main" id="{D85AD87C-90BE-3256-D88B-9DC4D5AACA85}"/>
+              <a:t>Anything We Need Help With?</a:t>
+            </a:r>
+          </a:p>
+        </p:txBody>
+      </p:sp>
+      <p:sp>
+        <p:nvSpPr>
+          <p:cNvPr id="4" name="TextBox 3">
+            <a:extLst>
+              <a:ext uri="{FF2B5EF4-FFF2-40B4-BE49-F238E27FC236}">
+                <a16:creationId xmlns:a16="http://schemas.microsoft.com/office/drawing/2014/main" id="{AA14C61A-BED4-3ABD-23C5-677E32520253}"/>
               </a:ext>
             </a:extLst>
           </p:cNvPr>
@@ -5306,8 +5053,8 @@
         </p:nvSpPr>
         <p:spPr>
           <a:xfrm>
-            <a:off x="8293211" y="1435692"/>
-            <a:ext cx="3275937" cy="923330"/>
+            <a:off x="214685" y="206734"/>
+            <a:ext cx="3029447" cy="1477328"/>
           </a:xfrm>
           <a:prstGeom prst="rect">
             <a:avLst/>
@@ -5322,7 +5069,32 @@
           <a:p>
             <a:r>
               <a:rPr lang="en-US" dirty="0"/>
-              <a:t>Any issues that may hinder progress should be listed here.</a:t>
+              <a:t>How do we fix conflict errors in </a:t>
+            </a:r>
+            <a:r>
+              <a:rPr lang="en-US" dirty="0" err="1"/>
+              <a:t>github</a:t>
+            </a:r>
+            <a:r>
+              <a:rPr lang="en-US" dirty="0"/>
+              <a:t>?</a:t>
+            </a:r>
+          </a:p>
+          <a:p>
+            <a:endParaRPr lang="en-US" dirty="0"/>
+          </a:p>
+          <a:p>
+            <a:r>
+              <a:rPr lang="en-US" dirty="0"/>
+              <a:t>How do we push large files to </a:t>
+            </a:r>
+            <a:r>
+              <a:rPr lang="en-US" dirty="0" err="1"/>
+              <a:t>github</a:t>
+            </a:r>
+            <a:r>
+              <a:rPr lang="en-US" dirty="0"/>
+              <a:t>?</a:t>
             </a:r>
             <a:endParaRPr lang="en-GB" dirty="0"/>
           </a:p>
@@ -5331,7 +5103,7 @@
     </p:spTree>
     <p:extLst>
       <p:ext uri="{BB962C8B-B14F-4D97-AF65-F5344CB8AC3E}">
-        <p14:creationId xmlns:p14="http://schemas.microsoft.com/office/powerpoint/2010/main" val="2158624020"/>
+        <p14:creationId xmlns:p14="http://schemas.microsoft.com/office/powerpoint/2010/main" val="4160970948"/>
       </p:ext>
     </p:extLst>
   </p:cSld>
@@ -5341,7 +5113,7 @@
 </p:sld>
 </file>
 
-<file path=ppt/slides/slide8.xml><?xml version="1.0" encoding="utf-8"?>
+<file path=ppt/slides/slide2.xml><?xml version="1.0" encoding="utf-8"?>
 <p:sld xmlns:a="http://schemas.openxmlformats.org/drawingml/2006/main" xmlns:r="http://schemas.openxmlformats.org/officeDocument/2006/relationships" xmlns:p="http://schemas.openxmlformats.org/presentationml/2006/main">
   <p:cSld>
     <p:bg>
@@ -5366,12 +5138,329 @@
           <a:chExt cx="0" cy="0"/>
         </a:xfrm>
       </p:grpSpPr>
-      <p:sp>
+      <p:sp useBgFill="1">
         <p:nvSpPr>
           <p:cNvPr id="9" name="Rectangle 8">
             <a:extLst>
               <a:ext uri="{FF2B5EF4-FFF2-40B4-BE49-F238E27FC236}">
-                <a16:creationId xmlns:a16="http://schemas.microsoft.com/office/drawing/2014/main" id="{ED587E41-605C-A8E4-8BA5-0E0B3797C9AA}"/>
+                <a16:creationId xmlns:a16="http://schemas.microsoft.com/office/drawing/2014/main" id="{1A32057F-F015-B1B2-4E3E-2307F8EFC97B}"/>
+              </a:ext>
+              <a:ext uri="{C183D7F6-B498-43B3-948B-1728B52AA6E4}">
+                <adec:decorative xmlns:adec="http://schemas.microsoft.com/office/drawing/2017/decorative" val="1"/>
+              </a:ext>
+            </a:extLst>
+          </p:cNvPr>
+          <p:cNvSpPr>
+            <a:spLocks noGrp="1" noRot="1" noChangeAspect="1" noMove="1" noResize="1" noEditPoints="1" noAdjustHandles="1" noChangeArrowheads="1" noChangeShapeType="1" noTextEdit="1"/>
+          </p:cNvSpPr>
+          <p:nvPr>
+            <p:extLst>
+              <p:ext uri="{386F3935-93C4-4BCD-93E2-E3B085C9AB24}">
+                <p16:designElem xmlns:p16="http://schemas.microsoft.com/office/powerpoint/2015/main" val="1"/>
+              </p:ext>
+            </p:extLst>
+          </p:nvPr>
+        </p:nvSpPr>
+        <p:spPr>
+          <a:xfrm>
+            <a:off x="0" y="0"/>
+            <a:ext cx="12192000" cy="6858000"/>
+          </a:xfrm>
+          <a:prstGeom prst="rect">
+            <a:avLst/>
+          </a:prstGeom>
+          <a:ln w="12700" cap="flat" cmpd="sng" algn="ctr">
+            <a:noFill/>
+            <a:prstDash val="solid"/>
+            <a:miter lim="800000"/>
+          </a:ln>
+          <a:effectLst/>
+          <a:extLst>
+            <a:ext uri="{91240B29-F687-4F45-9708-019B960494DF}">
+              <a14:hiddenLine xmlns:a14="http://schemas.microsoft.com/office/drawing/2010/main" w="12700" cap="flat" cmpd="sng" algn="ctr">
+                <a:solidFill>
+                  <a:schemeClr val="accent1">
+                    <a:shade val="15000"/>
+                  </a:schemeClr>
+                </a:solidFill>
+                <a:prstDash val="solid"/>
+                <a:miter lim="800000"/>
+              </a14:hiddenLine>
+            </a:ext>
+          </a:extLst>
+        </p:spPr>
+        <p:style>
+          <a:lnRef idx="2">
+            <a:schemeClr val="accent1">
+              <a:shade val="15000"/>
+            </a:schemeClr>
+          </a:lnRef>
+          <a:fillRef idx="1">
+            <a:schemeClr val="accent1"/>
+          </a:fillRef>
+          <a:effectRef idx="0">
+            <a:schemeClr val="accent1"/>
+          </a:effectRef>
+          <a:fontRef idx="minor">
+            <a:schemeClr val="lt1"/>
+          </a:fontRef>
+        </p:style>
+        <p:txBody>
+          <a:bodyPr rtlCol="0" anchor="ctr"/>
+          <a:lstStyle/>
+          <a:p>
+            <a:pPr algn="ctr"/>
+            <a:endParaRPr lang="en-US"/>
+          </a:p>
+        </p:txBody>
+      </p:sp>
+      <p:pic>
+        <p:nvPicPr>
+          <p:cNvPr id="5" name="Picture 4" descr="White stairs with a blue arrow drawn in the middle pointing upwards">
+            <a:extLst>
+              <a:ext uri="{FF2B5EF4-FFF2-40B4-BE49-F238E27FC236}">
+                <a16:creationId xmlns:a16="http://schemas.microsoft.com/office/drawing/2014/main" id="{70A7E4EF-DF76-FD5D-8906-B4E1CC2A4669}"/>
+              </a:ext>
+            </a:extLst>
+          </p:cNvPr>
+          <p:cNvPicPr>
+            <a:picLocks noChangeAspect="1"/>
+          </p:cNvPicPr>
+          <p:nvPr/>
+        </p:nvPicPr>
+        <p:blipFill>
+          <a:blip r:embed="rId2"/>
+          <a:srcRect r="4118"/>
+          <a:stretch/>
+        </p:blipFill>
+        <p:spPr>
+          <a:xfrm>
+            <a:off x="20" y="1"/>
+            <a:ext cx="6575591" cy="6858000"/>
+          </a:xfrm>
+          <a:prstGeom prst="rect">
+            <a:avLst/>
+          </a:prstGeom>
+        </p:spPr>
+      </p:pic>
+      <p:sp>
+        <p:nvSpPr>
+          <p:cNvPr id="2" name="Title 1">
+            <a:extLst>
+              <a:ext uri="{FF2B5EF4-FFF2-40B4-BE49-F238E27FC236}">
+                <a16:creationId xmlns:a16="http://schemas.microsoft.com/office/drawing/2014/main" id="{CC6405F6-77A8-A0F7-25B3-A0E240D46F29}"/>
+              </a:ext>
+            </a:extLst>
+          </p:cNvPr>
+          <p:cNvSpPr>
+            <a:spLocks noGrp="1"/>
+          </p:cNvSpPr>
+          <p:nvPr>
+            <p:ph type="title"/>
+          </p:nvPr>
+        </p:nvSpPr>
+        <p:spPr>
+          <a:xfrm>
+            <a:off x="7202961" y="302148"/>
+            <a:ext cx="4361688" cy="891531"/>
+          </a:xfrm>
+        </p:spPr>
+        <p:txBody>
+          <a:bodyPr vert="horz" lIns="91440" tIns="45720" rIns="91440" bIns="45720" rtlCol="0" anchor="b">
+            <a:normAutofit/>
+          </a:bodyPr>
+          <a:lstStyle/>
+          <a:p>
+            <a:r>
+              <a:rPr lang="en-US" sz="5400"/>
+              <a:t>Progress</a:t>
+            </a:r>
+            <a:endParaRPr lang="en-US" sz="5400" dirty="0"/>
+          </a:p>
+        </p:txBody>
+      </p:sp>
+      <p:sp>
+        <p:nvSpPr>
+          <p:cNvPr id="7" name="Rectangle 6">
+            <a:extLst>
+              <a:ext uri="{FF2B5EF4-FFF2-40B4-BE49-F238E27FC236}">
+                <a16:creationId xmlns:a16="http://schemas.microsoft.com/office/drawing/2014/main" id="{E6102409-58D3-08FD-EB25-654DA0053E54}"/>
+              </a:ext>
+            </a:extLst>
+          </p:cNvPr>
+          <p:cNvSpPr/>
+          <p:nvPr/>
+        </p:nvSpPr>
+        <p:spPr>
+          <a:xfrm>
+            <a:off x="6489510" y="2204114"/>
+            <a:ext cx="713451" cy="1266310"/>
+          </a:xfrm>
+          <a:prstGeom prst="rect">
+            <a:avLst/>
+          </a:prstGeom>
+          <a:solidFill>
+            <a:srgbClr val="92D050"/>
+          </a:solidFill>
+          <a:ln>
+            <a:solidFill>
+              <a:srgbClr val="92D050"/>
+            </a:solidFill>
+          </a:ln>
+        </p:spPr>
+        <p:style>
+          <a:lnRef idx="2">
+            <a:schemeClr val="accent1">
+              <a:shade val="15000"/>
+            </a:schemeClr>
+          </a:lnRef>
+          <a:fillRef idx="1">
+            <a:schemeClr val="accent1"/>
+          </a:fillRef>
+          <a:effectRef idx="0">
+            <a:schemeClr val="accent1"/>
+          </a:effectRef>
+          <a:fontRef idx="minor">
+            <a:schemeClr val="lt1"/>
+          </a:fontRef>
+        </p:style>
+        <p:txBody>
+          <a:bodyPr rtlCol="0" anchor="ctr"/>
+          <a:lstStyle/>
+          <a:p>
+            <a:pPr algn="ctr"/>
+            <a:endParaRPr lang="en-GB"/>
+          </a:p>
+        </p:txBody>
+      </p:sp>
+      <p:sp>
+        <p:nvSpPr>
+          <p:cNvPr id="8" name="Rectangle 7">
+            <a:extLst>
+              <a:ext uri="{FF2B5EF4-FFF2-40B4-BE49-F238E27FC236}">
+                <a16:creationId xmlns:a16="http://schemas.microsoft.com/office/drawing/2014/main" id="{5B7CB423-9B84-3B1C-81AA-2722D9C43C34}"/>
+              </a:ext>
+            </a:extLst>
+          </p:cNvPr>
+          <p:cNvSpPr/>
+          <p:nvPr/>
+        </p:nvSpPr>
+        <p:spPr>
+          <a:xfrm>
+            <a:off x="6489510" y="3847704"/>
+            <a:ext cx="1009153" cy="1266310"/>
+          </a:xfrm>
+          <a:prstGeom prst="rect">
+            <a:avLst/>
+          </a:prstGeom>
+          <a:solidFill>
+            <a:srgbClr val="92D050"/>
+          </a:solidFill>
+          <a:ln>
+            <a:solidFill>
+              <a:srgbClr val="92D050"/>
+            </a:solidFill>
+          </a:ln>
+        </p:spPr>
+        <p:style>
+          <a:lnRef idx="2">
+            <a:schemeClr val="accent1">
+              <a:shade val="15000"/>
+            </a:schemeClr>
+          </a:lnRef>
+          <a:fillRef idx="1">
+            <a:schemeClr val="accent1"/>
+          </a:fillRef>
+          <a:effectRef idx="0">
+            <a:schemeClr val="accent1"/>
+          </a:effectRef>
+          <a:fontRef idx="minor">
+            <a:schemeClr val="lt1"/>
+          </a:fontRef>
+        </p:style>
+        <p:txBody>
+          <a:bodyPr rtlCol="0" anchor="ctr"/>
+          <a:lstStyle/>
+          <a:p>
+            <a:pPr algn="ctr"/>
+            <a:endParaRPr lang="en-GB"/>
+          </a:p>
+        </p:txBody>
+      </p:sp>
+      <p:pic>
+        <p:nvPicPr>
+          <p:cNvPr id="6" name="Picture 5">
+            <a:extLst>
+              <a:ext uri="{FF2B5EF4-FFF2-40B4-BE49-F238E27FC236}">
+                <a16:creationId xmlns:a16="http://schemas.microsoft.com/office/drawing/2014/main" id="{81546F4F-BDE3-E7F8-329E-95E5D9A11B2B}"/>
+              </a:ext>
+            </a:extLst>
+          </p:cNvPr>
+          <p:cNvPicPr>
+            <a:picLocks noChangeAspect="1"/>
+          </p:cNvPicPr>
+          <p:nvPr/>
+        </p:nvPicPr>
+        <p:blipFill>
+          <a:blip r:embed="rId3"/>
+          <a:stretch>
+            <a:fillRect/>
+          </a:stretch>
+        </p:blipFill>
+        <p:spPr>
+          <a:xfrm>
+            <a:off x="6587697" y="2276744"/>
+            <a:ext cx="5604303" cy="2738809"/>
+          </a:xfrm>
+          <a:prstGeom prst="rect">
+            <a:avLst/>
+          </a:prstGeom>
+        </p:spPr>
+      </p:pic>
+    </p:spTree>
+    <p:extLst>
+      <p:ext uri="{BB962C8B-B14F-4D97-AF65-F5344CB8AC3E}">
+        <p14:creationId xmlns:p14="http://schemas.microsoft.com/office/powerpoint/2010/main" val="2024729136"/>
+      </p:ext>
+    </p:extLst>
+  </p:cSld>
+  <p:clrMapOvr>
+    <a:masterClrMapping/>
+  </p:clrMapOvr>
+</p:sld>
+</file>
+
+<file path=ppt/slides/slide3.xml><?xml version="1.0" encoding="utf-8"?>
+<p:sld xmlns:a="http://schemas.openxmlformats.org/drawingml/2006/main" xmlns:r="http://schemas.openxmlformats.org/officeDocument/2006/relationships" xmlns:p="http://schemas.openxmlformats.org/presentationml/2006/main">
+  <p:cSld>
+    <p:bg>
+      <p:bgPr>
+        <a:solidFill>
+          <a:schemeClr val="bg1"/>
+        </a:solidFill>
+        <a:effectLst/>
+      </p:bgPr>
+    </p:bg>
+    <p:spTree>
+      <p:nvGrpSpPr>
+        <p:cNvPr id="1" name=""/>
+        <p:cNvGrpSpPr/>
+        <p:nvPr/>
+      </p:nvGrpSpPr>
+      <p:grpSpPr>
+        <a:xfrm>
+          <a:off x="0" y="0"/>
+          <a:ext cx="0" cy="0"/>
+          <a:chOff x="0" y="0"/>
+          <a:chExt cx="0" cy="0"/>
+        </a:xfrm>
+      </p:grpSpPr>
+      <p:sp>
+        <p:nvSpPr>
+          <p:cNvPr id="23" name="Rectangle 22">
+            <a:extLst>
+              <a:ext uri="{FF2B5EF4-FFF2-40B4-BE49-F238E27FC236}">
+                <a16:creationId xmlns:a16="http://schemas.microsoft.com/office/drawing/2014/main" id="{223B85F9-9CA8-2B5F-4522-0B5D742E722F}"/>
               </a:ext>
               <a:ext uri="{C183D7F6-B498-43B3-948B-1728B52AA6E4}">
                 <adec:decorative xmlns:adec="http://schemas.microsoft.com/office/drawing/2017/decorative" val="1"/>
@@ -5440,46 +5529,91 @@
           <a:bodyPr rtlCol="0" anchor="ctr"/>
           <a:lstStyle/>
           <a:p>
-            <a:pPr marL="0" marR="0" lvl="0" indent="0" algn="ctr" defTabSz="914400" rtl="0" eaLnBrk="1" fontAlgn="auto" latinLnBrk="0" hangingPunct="1">
+            <a:pPr algn="ctr"/>
+            <a:endParaRPr lang="en-US"/>
+          </a:p>
+        </p:txBody>
+      </p:sp>
+      <p:sp>
+        <p:nvSpPr>
+          <p:cNvPr id="2" name="Title 1">
+            <a:extLst>
+              <a:ext uri="{FF2B5EF4-FFF2-40B4-BE49-F238E27FC236}">
+                <a16:creationId xmlns:a16="http://schemas.microsoft.com/office/drawing/2014/main" id="{B5CF1096-8E03-356D-6432-0F2BFAC8CBE0}"/>
+              </a:ext>
+            </a:extLst>
+          </p:cNvPr>
+          <p:cNvSpPr>
+            <a:spLocks noGrp="1"/>
+          </p:cNvSpPr>
+          <p:nvPr>
+            <p:ph type="title"/>
+          </p:nvPr>
+        </p:nvSpPr>
+        <p:spPr>
+          <a:xfrm>
+            <a:off x="6582718" y="443553"/>
+            <a:ext cx="4998300" cy="1610316"/>
+          </a:xfrm>
+        </p:spPr>
+        <p:txBody>
+          <a:bodyPr vert="horz" lIns="91440" tIns="45720" rIns="91440" bIns="45720" rtlCol="0" anchor="b">
+            <a:normAutofit/>
+          </a:bodyPr>
+          <a:lstStyle/>
+          <a:p>
+            <a:r>
+              <a:rPr lang="en-US" sz="4800" dirty="0"/>
+              <a:t>Team Member Presentations</a:t>
+            </a:r>
+          </a:p>
+        </p:txBody>
+      </p:sp>
+      <p:sp>
+        <p:nvSpPr>
+          <p:cNvPr id="4" name="TextBox 3">
+            <a:extLst>
+              <a:ext uri="{FF2B5EF4-FFF2-40B4-BE49-F238E27FC236}">
+                <a16:creationId xmlns:a16="http://schemas.microsoft.com/office/drawing/2014/main" id="{EEA6A6F6-450E-1AD1-4CB8-EE53D7726371}"/>
+              </a:ext>
+            </a:extLst>
+          </p:cNvPr>
+          <p:cNvSpPr txBox="1"/>
+          <p:nvPr/>
+        </p:nvSpPr>
+        <p:spPr>
+          <a:xfrm>
+            <a:off x="6582718" y="3874545"/>
+            <a:ext cx="4998301" cy="1492585"/>
+          </a:xfrm>
+          <a:prstGeom prst="rect">
+            <a:avLst/>
+          </a:prstGeom>
+        </p:spPr>
+        <p:txBody>
+          <a:bodyPr vert="horz" lIns="91440" tIns="45720" rIns="91440" bIns="45720" rtlCol="0">
+            <a:normAutofit/>
+          </a:bodyPr>
+          <a:lstStyle/>
+          <a:p>
+            <a:pPr>
               <a:lnSpc>
-                <a:spcPct val="100000"/>
+                <a:spcPct val="120000"/>
               </a:lnSpc>
               <a:spcBef>
-                <a:spcPts val="0"/>
+                <a:spcPts val="1000"/>
               </a:spcBef>
-              <a:spcAft>
-                <a:spcPts val="0"/>
-              </a:spcAft>
-              <a:buClrTx/>
-              <a:buSzTx/>
-              <a:buFontTx/>
-              <a:buNone/>
-              <a:tabLst/>
-              <a:defRPr/>
             </a:pPr>
-            <a:endParaRPr kumimoji="0" lang="en-US" sz="1800" b="0" i="0" u="none" strike="noStrike" kern="1200" cap="none" spc="0" normalizeH="0" baseline="0" noProof="0">
-              <a:ln>
-                <a:noFill/>
-              </a:ln>
-              <a:solidFill>
-                <a:prstClr val="white"/>
-              </a:solidFill>
-              <a:effectLst/>
-              <a:uLnTx/>
-              <a:uFillTx/>
-              <a:latin typeface="Neue Haas Grotesk Text Pro"/>
-              <a:ea typeface="+mn-ea"/>
-              <a:cs typeface="+mn-cs"/>
-            </a:endParaRPr>
+            <a:endParaRPr lang="en-US" sz="2000" dirty="0"/>
           </a:p>
         </p:txBody>
       </p:sp>
       <p:pic>
         <p:nvPicPr>
-          <p:cNvPr id="5" name="Picture 4" descr="Magnifying glass and question mark">
-            <a:extLst>
-              <a:ext uri="{FF2B5EF4-FFF2-40B4-BE49-F238E27FC236}">
-                <a16:creationId xmlns:a16="http://schemas.microsoft.com/office/drawing/2014/main" id="{DF84F6A5-C01F-881C-4CD5-9616B9281A53}"/>
+          <p:cNvPr id="18" name="Graphic 17" descr="Teacher">
+            <a:extLst>
+              <a:ext uri="{FF2B5EF4-FFF2-40B4-BE49-F238E27FC236}">
+                <a16:creationId xmlns:a16="http://schemas.microsoft.com/office/drawing/2014/main" id="{FBA15F39-8236-29D1-57F8-2BC21303A172}"/>
               </a:ext>
             </a:extLst>
           </p:cNvPr>
@@ -5489,14 +5623,24 @@
           <p:nvPr/>
         </p:nvPicPr>
         <p:blipFill>
-          <a:blip r:embed="rId2"/>
-          <a:srcRect/>
-          <a:stretch/>
+          <a:blip r:embed="rId2">
+            <a:extLst>
+              <a:ext uri="{28A0092B-C50C-407E-A947-70E740481C1C}">
+                <a14:useLocalDpi xmlns:a14="http://schemas.microsoft.com/office/drawing/2010/main" val="0"/>
+              </a:ext>
+              <a:ext uri="{96DAC541-7B7A-43D3-8B79-37D633B846F1}">
+                <asvg:svgBlip xmlns:asvg="http://schemas.microsoft.com/office/drawing/2016/SVG/main" r:embed="rId3"/>
+              </a:ext>
+            </a:extLst>
+          </a:blip>
+          <a:stretch>
+            <a:fillRect/>
+          </a:stretch>
         </p:blipFill>
         <p:spPr>
           <a:xfrm>
-            <a:off x="20" y="10"/>
-            <a:ext cx="12191980" cy="6857990"/>
+            <a:off x="875638" y="719282"/>
+            <a:ext cx="5310996" cy="5310996"/>
           </a:xfrm>
           <a:prstGeom prst="rect">
             <a:avLst/>
@@ -5505,149 +5649,20 @@
       </p:pic>
       <p:sp>
         <p:nvSpPr>
-          <p:cNvPr id="11" name="Rectangle 10">
-            <a:extLst>
-              <a:ext uri="{FF2B5EF4-FFF2-40B4-BE49-F238E27FC236}">
-                <a16:creationId xmlns:a16="http://schemas.microsoft.com/office/drawing/2014/main" id="{EBD48A03-0DF9-3063-CB15-1BC2AEC79F1C}"/>
-              </a:ext>
-              <a:ext uri="{C183D7F6-B498-43B3-948B-1728B52AA6E4}">
-                <adec:decorative xmlns:adec="http://schemas.microsoft.com/office/drawing/2017/decorative" val="1"/>
-              </a:ext>
-            </a:extLst>
-          </p:cNvPr>
-          <p:cNvSpPr>
-            <a:spLocks noGrp="1" noRot="1" noChangeAspect="1" noMove="1" noResize="1" noEditPoints="1" noAdjustHandles="1" noChangeArrowheads="1" noChangeShapeType="1" noTextEdit="1"/>
-          </p:cNvSpPr>
-          <p:nvPr>
-            <p:extLst>
-              <p:ext uri="{386F3935-93C4-4BCD-93E2-E3B085C9AB24}">
-                <p16:designElem xmlns:p16="http://schemas.microsoft.com/office/powerpoint/2015/main" val="1"/>
-              </p:ext>
-            </p:extLst>
-          </p:nvPr>
+          <p:cNvPr id="5" name="TextBox 4">
+            <a:extLst>
+              <a:ext uri="{FF2B5EF4-FFF2-40B4-BE49-F238E27FC236}">
+                <a16:creationId xmlns:a16="http://schemas.microsoft.com/office/drawing/2014/main" id="{ED4ECFD9-D08C-6EAE-63D3-75E908ABE81B}"/>
+              </a:ext>
+            </a:extLst>
+          </p:cNvPr>
+          <p:cNvSpPr txBox="1"/>
+          <p:nvPr/>
         </p:nvSpPr>
         <p:spPr>
           <a:xfrm>
-            <a:off x="0" y="5614416"/>
-            <a:ext cx="12191999" cy="1243584"/>
-          </a:xfrm>
-          <a:prstGeom prst="rect">
-            <a:avLst/>
-          </a:prstGeom>
-          <a:solidFill>
-            <a:schemeClr val="bg1">
-              <a:alpha val="28000"/>
-            </a:schemeClr>
-          </a:solidFill>
-          <a:ln>
-            <a:noFill/>
-          </a:ln>
-        </p:spPr>
-        <p:style>
-          <a:lnRef idx="2">
-            <a:schemeClr val="accent1">
-              <a:shade val="50000"/>
-            </a:schemeClr>
-          </a:lnRef>
-          <a:fillRef idx="1">
-            <a:schemeClr val="accent1"/>
-          </a:fillRef>
-          <a:effectRef idx="0">
-            <a:schemeClr val="accent1"/>
-          </a:effectRef>
-          <a:fontRef idx="minor">
-            <a:schemeClr val="lt1"/>
-          </a:fontRef>
-        </p:style>
-        <p:txBody>
-          <a:bodyPr rtlCol="0" anchor="ctr"/>
-          <a:lstStyle/>
-          <a:p>
-            <a:pPr marL="0" marR="0" lvl="0" indent="0" algn="ctr" defTabSz="914400" rtl="0" eaLnBrk="1" fontAlgn="auto" latinLnBrk="0" hangingPunct="1">
-              <a:lnSpc>
-                <a:spcPct val="100000"/>
-              </a:lnSpc>
-              <a:spcBef>
-                <a:spcPts val="0"/>
-              </a:spcBef>
-              <a:spcAft>
-                <a:spcPts val="0"/>
-              </a:spcAft>
-              <a:buClrTx/>
-              <a:buSzTx/>
-              <a:buFontTx/>
-              <a:buNone/>
-              <a:tabLst/>
-              <a:defRPr/>
-            </a:pPr>
-            <a:endParaRPr kumimoji="0" lang="en-US" sz="1800" b="0" i="0" u="none" strike="noStrike" kern="1200" cap="none" spc="0" normalizeH="0" baseline="0" noProof="0">
-              <a:ln>
-                <a:noFill/>
-              </a:ln>
-              <a:solidFill>
-                <a:prstClr val="white"/>
-              </a:solidFill>
-              <a:effectLst/>
-              <a:uLnTx/>
-              <a:uFillTx/>
-              <a:latin typeface="Neue Haas Grotesk Text Pro"/>
-              <a:ea typeface="+mn-ea"/>
-              <a:cs typeface="+mn-cs"/>
-            </a:endParaRPr>
-          </a:p>
-        </p:txBody>
-      </p:sp>
-      <p:sp>
-        <p:nvSpPr>
-          <p:cNvPr id="2" name="Title 1">
-            <a:extLst>
-              <a:ext uri="{FF2B5EF4-FFF2-40B4-BE49-F238E27FC236}">
-                <a16:creationId xmlns:a16="http://schemas.microsoft.com/office/drawing/2014/main" id="{B0FB6342-F6A2-B14F-A5ED-55BE00AE5C1E}"/>
-              </a:ext>
-            </a:extLst>
-          </p:cNvPr>
-          <p:cNvSpPr>
-            <a:spLocks noGrp="1"/>
-          </p:cNvSpPr>
-          <p:nvPr>
-            <p:ph type="title"/>
-          </p:nvPr>
-        </p:nvSpPr>
-        <p:spPr>
-          <a:xfrm>
-            <a:off x="320040" y="5768969"/>
-            <a:ext cx="8183880" cy="960120"/>
-          </a:xfrm>
-        </p:spPr>
-        <p:txBody>
-          <a:bodyPr vert="horz" lIns="91440" tIns="45720" rIns="91440" bIns="45720" rtlCol="0" anchor="ctr">
-            <a:normAutofit/>
-          </a:bodyPr>
-          <a:lstStyle/>
-          <a:p>
-            <a:r>
-              <a:rPr lang="en-US" sz="4000"/>
-              <a:t>Anything We Need Help With?</a:t>
-            </a:r>
-          </a:p>
-        </p:txBody>
-      </p:sp>
-      <p:sp>
-        <p:nvSpPr>
-          <p:cNvPr id="4" name="TextBox 3">
-            <a:extLst>
-              <a:ext uri="{FF2B5EF4-FFF2-40B4-BE49-F238E27FC236}">
-                <a16:creationId xmlns:a16="http://schemas.microsoft.com/office/drawing/2014/main" id="{AA14C61A-BED4-3ABD-23C5-677E32520253}"/>
-              </a:ext>
-            </a:extLst>
-          </p:cNvPr>
-          <p:cNvSpPr txBox="1"/>
-          <p:nvPr/>
-        </p:nvSpPr>
-        <p:spPr>
-          <a:xfrm>
-            <a:off x="214685" y="206734"/>
-            <a:ext cx="3029447" cy="923330"/>
+            <a:off x="6748818" y="2511188"/>
+            <a:ext cx="4339988" cy="923330"/>
           </a:xfrm>
           <a:prstGeom prst="rect">
             <a:avLst/>
@@ -5662,21 +5677,605 @@
           <a:p>
             <a:r>
               <a:rPr lang="en-US" dirty="0"/>
-              <a:t>Any questions we have or advice we need should be asked for here</a:t>
-            </a:r>
-            <a:endParaRPr lang="en-GB" dirty="0"/>
+              <a:t>At this point each team member will present what they have been doing over the past week.</a:t>
+            </a:r>
           </a:p>
         </p:txBody>
       </p:sp>
     </p:spTree>
     <p:extLst>
       <p:ext uri="{BB962C8B-B14F-4D97-AF65-F5344CB8AC3E}">
-        <p14:creationId xmlns:p14="http://schemas.microsoft.com/office/powerpoint/2010/main" val="4160970948"/>
+        <p14:creationId xmlns:p14="http://schemas.microsoft.com/office/powerpoint/2010/main" val="2603334312"/>
       </p:ext>
     </p:extLst>
   </p:cSld>
   <p:clrMapOvr>
-    <a:overrideClrMapping bg1="dk1" tx1="lt1" bg2="dk2" tx2="lt2" accent1="accent1" accent2="accent2" accent3="accent3" accent4="accent4" accent5="accent5" accent6="accent6" hlink="hlink" folHlink="folHlink"/>
+    <a:masterClrMapping/>
+  </p:clrMapOvr>
+</p:sld>
+</file>
+
+<file path=ppt/slides/slide4.xml><?xml version="1.0" encoding="utf-8"?>
+<p:sld xmlns:a="http://schemas.openxmlformats.org/drawingml/2006/main" xmlns:r="http://schemas.openxmlformats.org/officeDocument/2006/relationships" xmlns:p="http://schemas.openxmlformats.org/presentationml/2006/main">
+  <p:cSld>
+    <p:spTree>
+      <p:nvGrpSpPr>
+        <p:cNvPr id="1" name=""/>
+        <p:cNvGrpSpPr/>
+        <p:nvPr/>
+      </p:nvGrpSpPr>
+      <p:grpSpPr>
+        <a:xfrm>
+          <a:off x="0" y="0"/>
+          <a:ext cx="0" cy="0"/>
+          <a:chOff x="0" y="0"/>
+          <a:chExt cx="0" cy="0"/>
+        </a:xfrm>
+      </p:grpSpPr>
+      <p:sp>
+        <p:nvSpPr>
+          <p:cNvPr id="2" name="Title 1">
+            <a:extLst>
+              <a:ext uri="{FF2B5EF4-FFF2-40B4-BE49-F238E27FC236}">
+                <a16:creationId xmlns:a16="http://schemas.microsoft.com/office/drawing/2014/main" id="{42CBF4FC-CF22-F624-90D8-240F228DCD95}"/>
+              </a:ext>
+            </a:extLst>
+          </p:cNvPr>
+          <p:cNvSpPr>
+            <a:spLocks noGrp="1"/>
+          </p:cNvSpPr>
+          <p:nvPr>
+            <p:ph type="title"/>
+          </p:nvPr>
+        </p:nvSpPr>
+        <p:spPr/>
+        <p:txBody>
+          <a:bodyPr/>
+          <a:lstStyle/>
+          <a:p>
+            <a:r>
+              <a:rPr lang="en-US" dirty="0"/>
+              <a:t>Toby</a:t>
+            </a:r>
+            <a:endParaRPr lang="en-GB" dirty="0"/>
+          </a:p>
+        </p:txBody>
+      </p:sp>
+      <p:sp>
+        <p:nvSpPr>
+          <p:cNvPr id="3" name="Content Placeholder 2">
+            <a:extLst>
+              <a:ext uri="{FF2B5EF4-FFF2-40B4-BE49-F238E27FC236}">
+                <a16:creationId xmlns:a16="http://schemas.microsoft.com/office/drawing/2014/main" id="{C8EA9146-529D-4063-3215-4C8A942D440A}"/>
+              </a:ext>
+            </a:extLst>
+          </p:cNvPr>
+          <p:cNvSpPr>
+            <a:spLocks noGrp="1"/>
+          </p:cNvSpPr>
+          <p:nvPr>
+            <p:ph idx="1"/>
+          </p:nvPr>
+        </p:nvSpPr>
+        <p:spPr/>
+        <p:txBody>
+          <a:bodyPr/>
+          <a:lstStyle/>
+          <a:p>
+            <a:pPr marL="0" indent="0">
+              <a:buNone/>
+            </a:pPr>
+            <a:r>
+              <a:rPr lang="en-US" dirty="0" err="1"/>
+              <a:t>Github</a:t>
+            </a:r>
+            <a:r>
+              <a:rPr lang="en-US" dirty="0"/>
+              <a:t> set up</a:t>
+            </a:r>
+          </a:p>
+          <a:p>
+            <a:pPr marL="0" indent="0">
+              <a:buNone/>
+            </a:pPr>
+            <a:r>
+              <a:rPr lang="en-US" dirty="0"/>
+              <a:t>Discord set up</a:t>
+            </a:r>
+          </a:p>
+          <a:p>
+            <a:pPr marL="0" indent="0">
+              <a:buNone/>
+            </a:pPr>
+            <a:r>
+              <a:rPr lang="en-US" dirty="0"/>
+              <a:t>Weekly Report Templating</a:t>
+            </a:r>
+          </a:p>
+          <a:p>
+            <a:pPr marL="0" indent="0">
+              <a:buNone/>
+            </a:pPr>
+            <a:r>
+              <a:rPr lang="en-US" dirty="0"/>
+              <a:t>Laying Out GDD</a:t>
+            </a:r>
+          </a:p>
+          <a:p>
+            <a:pPr marL="0" indent="0">
+              <a:buNone/>
+            </a:pPr>
+            <a:r>
+              <a:rPr lang="en-US" dirty="0"/>
+              <a:t>Creating project plan/timeline</a:t>
+            </a:r>
+            <a:endParaRPr lang="en-GB" dirty="0"/>
+          </a:p>
+        </p:txBody>
+      </p:sp>
+    </p:spTree>
+    <p:extLst>
+      <p:ext uri="{BB962C8B-B14F-4D97-AF65-F5344CB8AC3E}">
+        <p14:creationId xmlns:p14="http://schemas.microsoft.com/office/powerpoint/2010/main" val="1634524725"/>
+      </p:ext>
+    </p:extLst>
+  </p:cSld>
+  <p:clrMapOvr>
+    <a:masterClrMapping/>
+  </p:clrMapOvr>
+</p:sld>
+</file>
+
+<file path=ppt/slides/slide5.xml><?xml version="1.0" encoding="utf-8"?>
+<p:sld xmlns:a="http://schemas.openxmlformats.org/drawingml/2006/main" xmlns:r="http://schemas.openxmlformats.org/officeDocument/2006/relationships" xmlns:p="http://schemas.openxmlformats.org/presentationml/2006/main">
+  <p:cSld>
+    <p:spTree>
+      <p:nvGrpSpPr>
+        <p:cNvPr id="1" name=""/>
+        <p:cNvGrpSpPr/>
+        <p:nvPr/>
+      </p:nvGrpSpPr>
+      <p:grpSpPr>
+        <a:xfrm>
+          <a:off x="0" y="0"/>
+          <a:ext cx="0" cy="0"/>
+          <a:chOff x="0" y="0"/>
+          <a:chExt cx="0" cy="0"/>
+        </a:xfrm>
+      </p:grpSpPr>
+      <p:sp>
+        <p:nvSpPr>
+          <p:cNvPr id="2" name="Title 1">
+            <a:extLst>
+              <a:ext uri="{FF2B5EF4-FFF2-40B4-BE49-F238E27FC236}">
+                <a16:creationId xmlns:a16="http://schemas.microsoft.com/office/drawing/2014/main" id="{428CDA3F-5813-1566-73CE-D3C878267043}"/>
+              </a:ext>
+            </a:extLst>
+          </p:cNvPr>
+          <p:cNvSpPr>
+            <a:spLocks noGrp="1"/>
+          </p:cNvSpPr>
+          <p:nvPr>
+            <p:ph type="title"/>
+          </p:nvPr>
+        </p:nvSpPr>
+        <p:spPr/>
+        <p:txBody>
+          <a:bodyPr/>
+          <a:lstStyle/>
+          <a:p>
+            <a:r>
+              <a:rPr lang="en-US" dirty="0"/>
+              <a:t>Samuel</a:t>
+            </a:r>
+            <a:endParaRPr lang="en-GB" dirty="0"/>
+          </a:p>
+        </p:txBody>
+      </p:sp>
+      <p:sp>
+        <p:nvSpPr>
+          <p:cNvPr id="3" name="Content Placeholder 2">
+            <a:extLst>
+              <a:ext uri="{FF2B5EF4-FFF2-40B4-BE49-F238E27FC236}">
+                <a16:creationId xmlns:a16="http://schemas.microsoft.com/office/drawing/2014/main" id="{83E31D82-A722-E760-D2F1-2AB56EA117F3}"/>
+              </a:ext>
+            </a:extLst>
+          </p:cNvPr>
+          <p:cNvSpPr>
+            <a:spLocks noGrp="1"/>
+          </p:cNvSpPr>
+          <p:nvPr>
+            <p:ph idx="1"/>
+          </p:nvPr>
+        </p:nvSpPr>
+        <p:spPr/>
+        <p:txBody>
+          <a:bodyPr/>
+          <a:lstStyle/>
+          <a:p>
+            <a:pPr marL="0" indent="0">
+              <a:buNone/>
+            </a:pPr>
+            <a:r>
+              <a:rPr lang="en-US" dirty="0"/>
+              <a:t>Creating rough level concept designs with Blaine</a:t>
+            </a:r>
+          </a:p>
+        </p:txBody>
+      </p:sp>
+    </p:spTree>
+    <p:extLst>
+      <p:ext uri="{BB962C8B-B14F-4D97-AF65-F5344CB8AC3E}">
+        <p14:creationId xmlns:p14="http://schemas.microsoft.com/office/powerpoint/2010/main" val="2089325022"/>
+      </p:ext>
+    </p:extLst>
+  </p:cSld>
+  <p:clrMapOvr>
+    <a:masterClrMapping/>
+  </p:clrMapOvr>
+</p:sld>
+</file>
+
+<file path=ppt/slides/slide6.xml><?xml version="1.0" encoding="utf-8"?>
+<p:sld xmlns:a="http://schemas.openxmlformats.org/drawingml/2006/main" xmlns:r="http://schemas.openxmlformats.org/officeDocument/2006/relationships" xmlns:p="http://schemas.openxmlformats.org/presentationml/2006/main">
+  <p:cSld>
+    <p:spTree>
+      <p:nvGrpSpPr>
+        <p:cNvPr id="1" name=""/>
+        <p:cNvGrpSpPr/>
+        <p:nvPr/>
+      </p:nvGrpSpPr>
+      <p:grpSpPr>
+        <a:xfrm>
+          <a:off x="0" y="0"/>
+          <a:ext cx="0" cy="0"/>
+          <a:chOff x="0" y="0"/>
+          <a:chExt cx="0" cy="0"/>
+        </a:xfrm>
+      </p:grpSpPr>
+      <p:sp>
+        <p:nvSpPr>
+          <p:cNvPr id="2" name="Title 1">
+            <a:extLst>
+              <a:ext uri="{FF2B5EF4-FFF2-40B4-BE49-F238E27FC236}">
+                <a16:creationId xmlns:a16="http://schemas.microsoft.com/office/drawing/2014/main" id="{186D74C4-B98C-6BD8-A5CB-AEE3BED0A432}"/>
+              </a:ext>
+            </a:extLst>
+          </p:cNvPr>
+          <p:cNvSpPr>
+            <a:spLocks noGrp="1"/>
+          </p:cNvSpPr>
+          <p:nvPr>
+            <p:ph type="title"/>
+          </p:nvPr>
+        </p:nvSpPr>
+        <p:spPr/>
+        <p:txBody>
+          <a:bodyPr/>
+          <a:lstStyle/>
+          <a:p>
+            <a:r>
+              <a:rPr lang="en-US" dirty="0"/>
+              <a:t>Blaine</a:t>
+            </a:r>
+            <a:endParaRPr lang="en-GB" dirty="0"/>
+          </a:p>
+        </p:txBody>
+      </p:sp>
+      <p:sp>
+        <p:nvSpPr>
+          <p:cNvPr id="3" name="Content Placeholder 2">
+            <a:extLst>
+              <a:ext uri="{FF2B5EF4-FFF2-40B4-BE49-F238E27FC236}">
+                <a16:creationId xmlns:a16="http://schemas.microsoft.com/office/drawing/2014/main" id="{418787FE-0F36-76AC-72DD-38060FB8E9F1}"/>
+              </a:ext>
+            </a:extLst>
+          </p:cNvPr>
+          <p:cNvSpPr>
+            <a:spLocks noGrp="1"/>
+          </p:cNvSpPr>
+          <p:nvPr>
+            <p:ph idx="1"/>
+          </p:nvPr>
+        </p:nvSpPr>
+        <p:spPr/>
+        <p:txBody>
+          <a:bodyPr/>
+          <a:lstStyle/>
+          <a:p>
+            <a:pPr marL="0" indent="0">
+              <a:buNone/>
+            </a:pPr>
+            <a:r>
+              <a:rPr lang="en-US" dirty="0"/>
+              <a:t>Creating rough level concept designs with Samuel</a:t>
+            </a:r>
+            <a:endParaRPr lang="en-GB" dirty="0"/>
+          </a:p>
+        </p:txBody>
+      </p:sp>
+    </p:spTree>
+    <p:extLst>
+      <p:ext uri="{BB962C8B-B14F-4D97-AF65-F5344CB8AC3E}">
+        <p14:creationId xmlns:p14="http://schemas.microsoft.com/office/powerpoint/2010/main" val="3047149052"/>
+      </p:ext>
+    </p:extLst>
+  </p:cSld>
+  <p:clrMapOvr>
+    <a:masterClrMapping/>
+  </p:clrMapOvr>
+</p:sld>
+</file>
+
+<file path=ppt/slides/slide7.xml><?xml version="1.0" encoding="utf-8"?>
+<p:sld xmlns:a="http://schemas.openxmlformats.org/drawingml/2006/main" xmlns:r="http://schemas.openxmlformats.org/officeDocument/2006/relationships" xmlns:p="http://schemas.openxmlformats.org/presentationml/2006/main">
+  <p:cSld>
+    <p:spTree>
+      <p:nvGrpSpPr>
+        <p:cNvPr id="1" name=""/>
+        <p:cNvGrpSpPr/>
+        <p:nvPr/>
+      </p:nvGrpSpPr>
+      <p:grpSpPr>
+        <a:xfrm>
+          <a:off x="0" y="0"/>
+          <a:ext cx="0" cy="0"/>
+          <a:chOff x="0" y="0"/>
+          <a:chExt cx="0" cy="0"/>
+        </a:xfrm>
+      </p:grpSpPr>
+      <p:sp>
+        <p:nvSpPr>
+          <p:cNvPr id="2" name="Title 1">
+            <a:extLst>
+              <a:ext uri="{FF2B5EF4-FFF2-40B4-BE49-F238E27FC236}">
+                <a16:creationId xmlns:a16="http://schemas.microsoft.com/office/drawing/2014/main" id="{F4CC9A5A-1292-88D3-BFB1-0FD21A245EA4}"/>
+              </a:ext>
+            </a:extLst>
+          </p:cNvPr>
+          <p:cNvSpPr>
+            <a:spLocks noGrp="1"/>
+          </p:cNvSpPr>
+          <p:nvPr>
+            <p:ph type="title"/>
+          </p:nvPr>
+        </p:nvSpPr>
+        <p:spPr/>
+        <p:txBody>
+          <a:bodyPr/>
+          <a:lstStyle/>
+          <a:p>
+            <a:r>
+              <a:rPr lang="en-US" dirty="0"/>
+              <a:t>Josh</a:t>
+            </a:r>
+            <a:endParaRPr lang="en-GB" dirty="0"/>
+          </a:p>
+        </p:txBody>
+      </p:sp>
+      <p:sp>
+        <p:nvSpPr>
+          <p:cNvPr id="3" name="Content Placeholder 2">
+            <a:extLst>
+              <a:ext uri="{FF2B5EF4-FFF2-40B4-BE49-F238E27FC236}">
+                <a16:creationId xmlns:a16="http://schemas.microsoft.com/office/drawing/2014/main" id="{4D9BC365-2671-4C75-48B1-F6E7A038D3DD}"/>
+              </a:ext>
+            </a:extLst>
+          </p:cNvPr>
+          <p:cNvSpPr>
+            <a:spLocks noGrp="1"/>
+          </p:cNvSpPr>
+          <p:nvPr>
+            <p:ph idx="1"/>
+          </p:nvPr>
+        </p:nvSpPr>
+        <p:spPr/>
+        <p:txBody>
+          <a:bodyPr/>
+          <a:lstStyle/>
+          <a:p>
+            <a:pPr marL="0" indent="0">
+              <a:buNone/>
+            </a:pPr>
+            <a:r>
+              <a:rPr lang="en-US" dirty="0"/>
+              <a:t>Creating rough concept art for UI</a:t>
+            </a:r>
+            <a:endParaRPr lang="en-GB" dirty="0"/>
+          </a:p>
+        </p:txBody>
+      </p:sp>
+    </p:spTree>
+    <p:extLst>
+      <p:ext uri="{BB962C8B-B14F-4D97-AF65-F5344CB8AC3E}">
+        <p14:creationId xmlns:p14="http://schemas.microsoft.com/office/powerpoint/2010/main" val="1779735403"/>
+      </p:ext>
+    </p:extLst>
+  </p:cSld>
+  <p:clrMapOvr>
+    <a:masterClrMapping/>
+  </p:clrMapOvr>
+</p:sld>
+</file>
+
+<file path=ppt/slides/slide8.xml><?xml version="1.0" encoding="utf-8"?>
+<p:sld xmlns:a="http://schemas.openxmlformats.org/drawingml/2006/main" xmlns:r="http://schemas.openxmlformats.org/officeDocument/2006/relationships" xmlns:p="http://schemas.openxmlformats.org/presentationml/2006/main">
+  <p:cSld>
+    <p:spTree>
+      <p:nvGrpSpPr>
+        <p:cNvPr id="1" name=""/>
+        <p:cNvGrpSpPr/>
+        <p:nvPr/>
+      </p:nvGrpSpPr>
+      <p:grpSpPr>
+        <a:xfrm>
+          <a:off x="0" y="0"/>
+          <a:ext cx="0" cy="0"/>
+          <a:chOff x="0" y="0"/>
+          <a:chExt cx="0" cy="0"/>
+        </a:xfrm>
+      </p:grpSpPr>
+      <p:sp>
+        <p:nvSpPr>
+          <p:cNvPr id="2" name="Title 1">
+            <a:extLst>
+              <a:ext uri="{FF2B5EF4-FFF2-40B4-BE49-F238E27FC236}">
+                <a16:creationId xmlns:a16="http://schemas.microsoft.com/office/drawing/2014/main" id="{E28195EA-863A-5664-9D03-D738309F8151}"/>
+              </a:ext>
+            </a:extLst>
+          </p:cNvPr>
+          <p:cNvSpPr>
+            <a:spLocks noGrp="1"/>
+          </p:cNvSpPr>
+          <p:nvPr>
+            <p:ph type="title"/>
+          </p:nvPr>
+        </p:nvSpPr>
+        <p:spPr/>
+        <p:txBody>
+          <a:bodyPr/>
+          <a:lstStyle/>
+          <a:p>
+            <a:r>
+              <a:rPr lang="en-US" dirty="0"/>
+              <a:t>Bronwyn</a:t>
+            </a:r>
+            <a:endParaRPr lang="en-GB" dirty="0"/>
+          </a:p>
+        </p:txBody>
+      </p:sp>
+      <p:sp>
+        <p:nvSpPr>
+          <p:cNvPr id="3" name="Content Placeholder 2">
+            <a:extLst>
+              <a:ext uri="{FF2B5EF4-FFF2-40B4-BE49-F238E27FC236}">
+                <a16:creationId xmlns:a16="http://schemas.microsoft.com/office/drawing/2014/main" id="{1619870D-A482-74C6-93B2-8D45C98B3757}"/>
+              </a:ext>
+            </a:extLst>
+          </p:cNvPr>
+          <p:cNvSpPr>
+            <a:spLocks noGrp="1"/>
+          </p:cNvSpPr>
+          <p:nvPr>
+            <p:ph idx="1"/>
+          </p:nvPr>
+        </p:nvSpPr>
+        <p:spPr/>
+        <p:txBody>
+          <a:bodyPr/>
+          <a:lstStyle/>
+          <a:p>
+            <a:pPr marL="0" indent="0">
+              <a:buNone/>
+            </a:pPr>
+            <a:r>
+              <a:rPr lang="en-US" dirty="0"/>
+              <a:t>Creating rough concept art for weapons</a:t>
+            </a:r>
+            <a:endParaRPr lang="en-GB" dirty="0"/>
+          </a:p>
+        </p:txBody>
+      </p:sp>
+    </p:spTree>
+    <p:extLst>
+      <p:ext uri="{BB962C8B-B14F-4D97-AF65-F5344CB8AC3E}">
+        <p14:creationId xmlns:p14="http://schemas.microsoft.com/office/powerpoint/2010/main" val="2710259149"/>
+      </p:ext>
+    </p:extLst>
+  </p:cSld>
+  <p:clrMapOvr>
+    <a:masterClrMapping/>
+  </p:clrMapOvr>
+</p:sld>
+</file>
+
+<file path=ppt/slides/slide9.xml><?xml version="1.0" encoding="utf-8"?>
+<p:sld xmlns:a="http://schemas.openxmlformats.org/drawingml/2006/main" xmlns:r="http://schemas.openxmlformats.org/officeDocument/2006/relationships" xmlns:p="http://schemas.openxmlformats.org/presentationml/2006/main">
+  <p:cSld>
+    <p:spTree>
+      <p:nvGrpSpPr>
+        <p:cNvPr id="1" name=""/>
+        <p:cNvGrpSpPr/>
+        <p:nvPr/>
+      </p:nvGrpSpPr>
+      <p:grpSpPr>
+        <a:xfrm>
+          <a:off x="0" y="0"/>
+          <a:ext cx="0" cy="0"/>
+          <a:chOff x="0" y="0"/>
+          <a:chExt cx="0" cy="0"/>
+        </a:xfrm>
+      </p:grpSpPr>
+      <p:sp>
+        <p:nvSpPr>
+          <p:cNvPr id="2" name="Title 1">
+            <a:extLst>
+              <a:ext uri="{FF2B5EF4-FFF2-40B4-BE49-F238E27FC236}">
+                <a16:creationId xmlns:a16="http://schemas.microsoft.com/office/drawing/2014/main" id="{84E300A4-9230-259E-5F28-9E8D24B9FBDE}"/>
+              </a:ext>
+            </a:extLst>
+          </p:cNvPr>
+          <p:cNvSpPr>
+            <a:spLocks noGrp="1"/>
+          </p:cNvSpPr>
+          <p:nvPr>
+            <p:ph type="title"/>
+          </p:nvPr>
+        </p:nvSpPr>
+        <p:spPr/>
+        <p:txBody>
+          <a:bodyPr/>
+          <a:lstStyle/>
+          <a:p>
+            <a:r>
+              <a:rPr lang="en-US" dirty="0"/>
+              <a:t>Bailey</a:t>
+            </a:r>
+            <a:endParaRPr lang="en-GB" dirty="0"/>
+          </a:p>
+        </p:txBody>
+      </p:sp>
+      <p:sp>
+        <p:nvSpPr>
+          <p:cNvPr id="3" name="Content Placeholder 2">
+            <a:extLst>
+              <a:ext uri="{FF2B5EF4-FFF2-40B4-BE49-F238E27FC236}">
+                <a16:creationId xmlns:a16="http://schemas.microsoft.com/office/drawing/2014/main" id="{933DF212-029E-99E1-69B9-8E4912CE4A4B}"/>
+              </a:ext>
+            </a:extLst>
+          </p:cNvPr>
+          <p:cNvSpPr>
+            <a:spLocks noGrp="1"/>
+          </p:cNvSpPr>
+          <p:nvPr>
+            <p:ph idx="1"/>
+          </p:nvPr>
+        </p:nvSpPr>
+        <p:spPr/>
+        <p:txBody>
+          <a:bodyPr/>
+          <a:lstStyle/>
+          <a:p>
+            <a:pPr marL="0" indent="0">
+              <a:buNone/>
+            </a:pPr>
+            <a:r>
+              <a:rPr lang="en-US" dirty="0"/>
+              <a:t>Creating rough concept art for enemies</a:t>
+            </a:r>
+            <a:endParaRPr lang="en-GB" dirty="0"/>
+          </a:p>
+        </p:txBody>
+      </p:sp>
+    </p:spTree>
+    <p:extLst>
+      <p:ext uri="{BB962C8B-B14F-4D97-AF65-F5344CB8AC3E}">
+        <p14:creationId xmlns:p14="http://schemas.microsoft.com/office/powerpoint/2010/main" val="1310843099"/>
+      </p:ext>
+    </p:extLst>
+  </p:cSld>
+  <p:clrMapOvr>
+    <a:masterClrMapping/>
   </p:clrMapOvr>
 </p:sld>
 </file>
